--- a/17_BuildCNN.pptx
+++ b/17_BuildCNN.pptx
@@ -5,7 +5,7 @@
     <p:sldMasterId id="2147483648" r:id="rId1"/>
   </p:sldMasterIdLst>
   <p:notesMasterIdLst>
-    <p:notesMasterId r:id="rId30"/>
+    <p:notesMasterId r:id="rId36"/>
   </p:notesMasterIdLst>
   <p:sldIdLst>
     <p:sldId id="256" r:id="rId2"/>
@@ -35,7 +35,13 @@
     <p:sldId id="316" r:id="rId26"/>
     <p:sldId id="317" r:id="rId27"/>
     <p:sldId id="318" r:id="rId28"/>
-    <p:sldId id="259" r:id="rId29"/>
+    <p:sldId id="322" r:id="rId29"/>
+    <p:sldId id="323" r:id="rId30"/>
+    <p:sldId id="324" r:id="rId31"/>
+    <p:sldId id="325" r:id="rId32"/>
+    <p:sldId id="326" r:id="rId33"/>
+    <p:sldId id="327" r:id="rId34"/>
+    <p:sldId id="259" r:id="rId35"/>
   </p:sldIdLst>
   <p:sldSz cx="9144000" cy="6858000" type="screen4x3"/>
   <p:notesSz cx="6858000" cy="9144000"/>
@@ -236,7 +242,7 @@
             <a:fld id="{6837EDA8-41C8-4B24-A206-13C08A65A6D7}" type="datetimeFigureOut">
               <a:rPr lang="zh-TW" altLang="en-US" smtClean="0"/>
               <a:pPr/>
-              <a:t>2020/5/28</a:t>
+              <a:t>2020/5/30</a:t>
             </a:fld>
             <a:endParaRPr lang="zh-TW" altLang="en-US"/>
           </a:p>
@@ -689,7 +695,7 @@
             <a:fld id="{8B85509C-BD4F-47BF-9B1E-FC2E949B3621}" type="datetime1">
               <a:rPr lang="zh-TW" altLang="en-US" smtClean="0"/>
               <a:pPr/>
-              <a:t>2020/5/28</a:t>
+              <a:t>2020/5/30</a:t>
             </a:fld>
             <a:endParaRPr lang="zh-TW" altLang="en-US"/>
           </a:p>
@@ -862,7 +868,7 @@
             <a:fld id="{42251B24-F787-4C15-8A0F-7AEC20C70069}" type="datetime1">
               <a:rPr lang="zh-TW" altLang="en-US" smtClean="0"/>
               <a:pPr/>
-              <a:t>2020/5/28</a:t>
+              <a:t>2020/5/30</a:t>
             </a:fld>
             <a:endParaRPr lang="zh-TW" altLang="en-US"/>
           </a:p>
@@ -1037,7 +1043,7 @@
             <a:fld id="{9CA0D33C-CE2B-45F1-B8D4-FFD1F131F331}" type="datetime1">
               <a:rPr lang="zh-TW" altLang="en-US" smtClean="0"/>
               <a:pPr/>
-              <a:t>2020/5/28</a:t>
+              <a:t>2020/5/30</a:t>
             </a:fld>
             <a:endParaRPr lang="zh-TW" altLang="en-US"/>
           </a:p>
@@ -1202,7 +1208,7 @@
             <a:fld id="{50B99440-D9EF-40CC-9B52-F6428D9B2C76}" type="datetime1">
               <a:rPr lang="zh-TW" altLang="en-US" smtClean="0"/>
               <a:pPr/>
-              <a:t>2020/5/28</a:t>
+              <a:t>2020/5/30</a:t>
             </a:fld>
             <a:endParaRPr lang="zh-TW" altLang="en-US"/>
           </a:p>
@@ -1444,7 +1450,7 @@
             <a:fld id="{0871BF52-5C6C-4959-8E27-CECB68D39FE4}" type="datetime1">
               <a:rPr lang="zh-TW" altLang="en-US" smtClean="0"/>
               <a:pPr/>
-              <a:t>2020/5/28</a:t>
+              <a:t>2020/5/30</a:t>
             </a:fld>
             <a:endParaRPr lang="zh-TW" altLang="en-US"/>
           </a:p>
@@ -1726,7 +1732,7 @@
             <a:fld id="{DF863F05-2DD9-4EB1-A827-12FD992DE9DC}" type="datetime1">
               <a:rPr lang="zh-TW" altLang="en-US" smtClean="0"/>
               <a:pPr/>
-              <a:t>2020/5/28</a:t>
+              <a:t>2020/5/30</a:t>
             </a:fld>
             <a:endParaRPr lang="zh-TW" altLang="en-US"/>
           </a:p>
@@ -2142,7 +2148,7 @@
             <a:fld id="{6339AF51-4491-4873-A096-75DB6CE47516}" type="datetime1">
               <a:rPr lang="zh-TW" altLang="en-US" smtClean="0"/>
               <a:pPr/>
-              <a:t>2020/5/28</a:t>
+              <a:t>2020/5/30</a:t>
             </a:fld>
             <a:endParaRPr lang="zh-TW" altLang="en-US"/>
           </a:p>
@@ -2256,7 +2262,7 @@
             <a:fld id="{EE4AD9C8-8B9E-40FF-ABE2-858AC2057BBB}" type="datetime1">
               <a:rPr lang="zh-TW" altLang="en-US" smtClean="0"/>
               <a:pPr/>
-              <a:t>2020/5/28</a:t>
+              <a:t>2020/5/30</a:t>
             </a:fld>
             <a:endParaRPr lang="zh-TW" altLang="en-US"/>
           </a:p>
@@ -2348,7 +2354,7 @@
             <a:fld id="{B4784999-BBBE-4BE4-A8D0-877E7D1D66CC}" type="datetime1">
               <a:rPr lang="zh-TW" altLang="en-US" smtClean="0"/>
               <a:pPr/>
-              <a:t>2020/5/28</a:t>
+              <a:t>2020/5/30</a:t>
             </a:fld>
             <a:endParaRPr lang="zh-TW" altLang="en-US"/>
           </a:p>
@@ -2620,7 +2626,7 @@
             <a:fld id="{E88D17E6-02BD-4944-B9FE-7BFCCBF83D48}" type="datetime1">
               <a:rPr lang="zh-TW" altLang="en-US" smtClean="0"/>
               <a:pPr/>
-              <a:t>2020/5/28</a:t>
+              <a:t>2020/5/30</a:t>
             </a:fld>
             <a:endParaRPr lang="zh-TW" altLang="en-US"/>
           </a:p>
@@ -2869,7 +2875,7 @@
             <a:fld id="{3C13E23D-1FEF-4D78-A3A3-3D6F2BB31954}" type="datetime1">
               <a:rPr lang="zh-TW" altLang="en-US" smtClean="0"/>
               <a:pPr/>
-              <a:t>2020/5/28</a:t>
+              <a:t>2020/5/30</a:t>
             </a:fld>
             <a:endParaRPr lang="zh-TW" altLang="en-US"/>
           </a:p>
@@ -3077,7 +3083,7 @@
             <a:fld id="{06197F35-AD6F-4594-8B50-334492D2E7E8}" type="datetime1">
               <a:rPr lang="zh-TW" altLang="en-US" smtClean="0"/>
               <a:pPr/>
-              <a:t>2020/5/28</a:t>
+              <a:t>2020/5/30</a:t>
             </a:fld>
             <a:endParaRPr lang="zh-TW" altLang="en-US"/>
           </a:p>
@@ -3538,7 +3544,7 @@
             <a:fld id="{C389EDC9-19E3-47AC-9C57-C6A24DEA81AD}" type="datetime1">
               <a:rPr lang="zh-TW" altLang="en-US" smtClean="0"/>
               <a:pPr/>
-              <a:t>2020/5/28</a:t>
+              <a:t>2020/5/30</a:t>
             </a:fld>
             <a:endParaRPr lang="zh-TW" altLang="en-US"/>
           </a:p>
@@ -3852,7 +3858,7 @@
             <a:fld id="{A4F910E6-8D00-4BAF-8C48-9688E0B449D3}" type="datetime1">
               <a:rPr lang="zh-TW" altLang="en-US" smtClean="0"/>
               <a:pPr/>
-              <a:t>2020/5/28</a:t>
+              <a:t>2020/5/30</a:t>
             </a:fld>
             <a:endParaRPr lang="zh-TW" altLang="en-US"/>
           </a:p>
@@ -4006,7 +4012,7 @@
             <a:fld id="{C389EDC9-19E3-47AC-9C57-C6A24DEA81AD}" type="datetime1">
               <a:rPr lang="zh-TW" altLang="en-US" smtClean="0"/>
               <a:pPr/>
-              <a:t>2020/5/28</a:t>
+              <a:t>2020/5/30</a:t>
             </a:fld>
             <a:endParaRPr lang="zh-TW" altLang="en-US"/>
           </a:p>
@@ -4520,7 +4526,7 @@
             <a:fld id="{A4F910E6-8D00-4BAF-8C48-9688E0B449D3}" type="datetime1">
               <a:rPr lang="zh-TW" altLang="en-US" smtClean="0"/>
               <a:pPr/>
-              <a:t>2020/5/28</a:t>
+              <a:t>2020/5/30</a:t>
             </a:fld>
             <a:endParaRPr lang="zh-TW" altLang="en-US"/>
           </a:p>
@@ -4948,7 +4954,7 @@
             <a:fld id="{A4F910E6-8D00-4BAF-8C48-9688E0B449D3}" type="datetime1">
               <a:rPr lang="zh-TW" altLang="en-US" smtClean="0"/>
               <a:pPr/>
-              <a:t>2020/5/28</a:t>
+              <a:t>2020/5/30</a:t>
             </a:fld>
             <a:endParaRPr lang="zh-TW" altLang="en-US"/>
           </a:p>
@@ -5302,7 +5308,7 @@
             <a:fld id="{A4F910E6-8D00-4BAF-8C48-9688E0B449D3}" type="datetime1">
               <a:rPr lang="zh-TW" altLang="en-US" smtClean="0"/>
               <a:pPr/>
-              <a:t>2020/5/28</a:t>
+              <a:t>2020/5/30</a:t>
             </a:fld>
             <a:endParaRPr lang="zh-TW" altLang="en-US"/>
           </a:p>
@@ -5906,7 +5912,7 @@
             <a:fld id="{A4F910E6-8D00-4BAF-8C48-9688E0B449D3}" type="datetime1">
               <a:rPr lang="zh-TW" altLang="en-US" smtClean="0"/>
               <a:pPr/>
-              <a:t>2020/5/28</a:t>
+              <a:t>2020/5/30</a:t>
             </a:fld>
             <a:endParaRPr lang="zh-TW" altLang="en-US"/>
           </a:p>
@@ -6656,7 +6662,7 @@
             <a:fld id="{A4F910E6-8D00-4BAF-8C48-9688E0B449D3}" type="datetime1">
               <a:rPr lang="zh-TW" altLang="en-US" smtClean="0"/>
               <a:pPr/>
-              <a:t>2020/5/28</a:t>
+              <a:t>2020/5/30</a:t>
             </a:fld>
             <a:endParaRPr lang="zh-TW" altLang="en-US"/>
           </a:p>
@@ -7174,7 +7180,7 @@
             <a:fld id="{A4F910E6-8D00-4BAF-8C48-9688E0B449D3}" type="datetime1">
               <a:rPr lang="zh-TW" altLang="en-US" smtClean="0"/>
               <a:pPr/>
-              <a:t>2020/5/28</a:t>
+              <a:t>2020/5/30</a:t>
             </a:fld>
             <a:endParaRPr lang="zh-TW" altLang="en-US"/>
           </a:p>
@@ -7595,7 +7601,7 @@
             <a:fld id="{A4F910E6-8D00-4BAF-8C48-9688E0B449D3}" type="datetime1">
               <a:rPr lang="zh-TW" altLang="en-US" smtClean="0"/>
               <a:pPr/>
-              <a:t>2020/5/28</a:t>
+              <a:t>2020/5/30</a:t>
             </a:fld>
             <a:endParaRPr lang="zh-TW" altLang="en-US"/>
           </a:p>
@@ -8289,7 +8295,7 @@
             <a:fld id="{A4F910E6-8D00-4BAF-8C48-9688E0B449D3}" type="datetime1">
               <a:rPr lang="zh-TW" altLang="en-US" smtClean="0"/>
               <a:pPr/>
-              <a:t>2020/5/28</a:t>
+              <a:t>2020/5/30</a:t>
             </a:fld>
             <a:endParaRPr lang="zh-TW" altLang="en-US"/>
           </a:p>
@@ -8581,7 +8587,71 @@
                   <a:schemeClr val="tx1"/>
                 </a:solidFill>
               </a:rPr>
-              <a:t>We are ready to build the model. When we say model, we mean the network. The words model and network refer the same thing.</a:t>
+              <a:t>We are ready to build the model. When we say </a:t>
+            </a:r>
+            <a:r>
+              <a:rPr lang="en-US" sz="1800" b="1" dirty="0">
+                <a:solidFill>
+                  <a:srgbClr val="C00000"/>
+                </a:solidFill>
+              </a:rPr>
+              <a:t>model</a:t>
+            </a:r>
+            <a:r>
+              <a:rPr lang="en-US" sz="1800" dirty="0">
+                <a:solidFill>
+                  <a:schemeClr val="tx1"/>
+                </a:solidFill>
+              </a:rPr>
+              <a:t>, we mean the </a:t>
+            </a:r>
+            <a:r>
+              <a:rPr lang="en-US" sz="1800" b="1" dirty="0">
+                <a:solidFill>
+                  <a:srgbClr val="C00000"/>
+                </a:solidFill>
+              </a:rPr>
+              <a:t>network</a:t>
+            </a:r>
+            <a:r>
+              <a:rPr lang="en-US" sz="1800" dirty="0">
+                <a:solidFill>
+                  <a:schemeClr val="tx1"/>
+                </a:solidFill>
+              </a:rPr>
+              <a:t>. The words </a:t>
+            </a:r>
+            <a:r>
+              <a:rPr lang="en-US" sz="1800" b="1" dirty="0">
+                <a:solidFill>
+                  <a:srgbClr val="C00000"/>
+                </a:solidFill>
+              </a:rPr>
+              <a:t>model </a:t>
+            </a:r>
+            <a:r>
+              <a:rPr lang="en-US" sz="1800" dirty="0">
+                <a:solidFill>
+                  <a:schemeClr val="tx1"/>
+                </a:solidFill>
+              </a:rPr>
+              <a:t>and </a:t>
+            </a:r>
+            <a:r>
+              <a:rPr lang="en-US" sz="1800" b="1" dirty="0">
+                <a:solidFill>
+                  <a:srgbClr val="C00000"/>
+                </a:solidFill>
+              </a:rPr>
+              <a:t>network</a:t>
+            </a:r>
+            <a:r>
+              <a:rPr lang="en-US" sz="1800" dirty="0">
+                <a:solidFill>
+                  <a:schemeClr val="tx1"/>
+                </a:solidFill>
+              </a:rPr>
+              <a:t> refer the same thing.</a:t>
             </a:r>
           </a:p>
           <a:p>
@@ -8699,7 +8769,7 @@
             <a:fld id="{A4F910E6-8D00-4BAF-8C48-9688E0B449D3}" type="datetime1">
               <a:rPr lang="zh-TW" altLang="en-US" smtClean="0"/>
               <a:pPr/>
-              <a:t>2020/5/28</a:t>
+              <a:t>2020/5/30</a:t>
             </a:fld>
             <a:endParaRPr lang="zh-TW" altLang="en-US"/>
           </a:p>
@@ -9285,7 +9355,7 @@
             <a:fld id="{A4F910E6-8D00-4BAF-8C48-9688E0B449D3}" type="datetime1">
               <a:rPr lang="zh-TW" altLang="en-US" smtClean="0"/>
               <a:pPr/>
-              <a:t>2020/5/28</a:t>
+              <a:t>2020/5/30</a:t>
             </a:fld>
             <a:endParaRPr lang="zh-TW" altLang="en-US"/>
           </a:p>
@@ -9836,7 +9906,7 @@
             <a:fld id="{A4F910E6-8D00-4BAF-8C48-9688E0B449D3}" type="datetime1">
               <a:rPr lang="zh-TW" altLang="en-US" smtClean="0"/>
               <a:pPr/>
-              <a:t>2020/5/28</a:t>
+              <a:t>2020/5/30</a:t>
             </a:fld>
             <a:endParaRPr lang="zh-TW" altLang="en-US"/>
           </a:p>
@@ -10456,7 +10526,7 @@
             <a:fld id="{A4F910E6-8D00-4BAF-8C48-9688E0B449D3}" type="datetime1">
               <a:rPr lang="zh-TW" altLang="en-US" smtClean="0"/>
               <a:pPr/>
-              <a:t>2020/5/28</a:t>
+              <a:t>2020/5/30</a:t>
             </a:fld>
             <a:endParaRPr lang="zh-TW" altLang="en-US"/>
           </a:p>
@@ -10610,7 +10680,7 @@
             <a:fld id="{C389EDC9-19E3-47AC-9C57-C6A24DEA81AD}" type="datetime1">
               <a:rPr lang="zh-TW" altLang="en-US" smtClean="0"/>
               <a:pPr/>
-              <a:t>2020/5/28</a:t>
+              <a:t>2020/5/30</a:t>
             </a:fld>
             <a:endParaRPr lang="zh-TW" altLang="en-US"/>
           </a:p>
@@ -11483,7 +11553,7 @@
             <a:fld id="{A4F910E6-8D00-4BAF-8C48-9688E0B449D3}" type="datetime1">
               <a:rPr lang="zh-TW" altLang="en-US" smtClean="0"/>
               <a:pPr/>
-              <a:t>2020/5/28</a:t>
+              <a:t>2020/5/30</a:t>
             </a:fld>
             <a:endParaRPr lang="zh-TW" altLang="en-US"/>
           </a:p>
@@ -12172,7 +12242,7 @@
             <a:fld id="{A4F910E6-8D00-4BAF-8C48-9688E0B449D3}" type="datetime1">
               <a:rPr lang="zh-TW" altLang="en-US" smtClean="0"/>
               <a:pPr/>
-              <a:t>2020/5/28</a:t>
+              <a:t>2020/5/30</a:t>
             </a:fld>
             <a:endParaRPr lang="zh-TW" altLang="en-US"/>
           </a:p>
@@ -12897,7 +12967,7 @@
             <a:fld id="{A4F910E6-8D00-4BAF-8C48-9688E0B449D3}" type="datetime1">
               <a:rPr lang="zh-TW" altLang="en-US" smtClean="0"/>
               <a:pPr/>
-              <a:t>2020/5/28</a:t>
+              <a:t>2020/5/30</a:t>
             </a:fld>
             <a:endParaRPr lang="zh-TW" altLang="en-US"/>
           </a:p>
@@ -13163,7 +13233,7 @@
             <a:fld id="{A4F910E6-8D00-4BAF-8C48-9688E0B449D3}" type="datetime1">
               <a:rPr lang="zh-TW" altLang="en-US" smtClean="0"/>
               <a:pPr/>
-              <a:t>2020/5/28</a:t>
+              <a:t>2020/5/30</a:t>
             </a:fld>
             <a:endParaRPr lang="zh-TW" altLang="en-US"/>
           </a:p>
@@ -13308,32 +13378,9 @@
             <a:off x="0" y="2130425"/>
             <a:ext cx="9144000" cy="1470025"/>
           </a:xfrm>
-          <a:gradFill flip="none" rotWithShape="1">
-            <a:gsLst>
-              <a:gs pos="0">
-                <a:srgbClr val="00B0F0">
-                  <a:shade val="30000"/>
-                  <a:satMod val="115000"/>
-                </a:srgbClr>
-              </a:gs>
-              <a:gs pos="50000">
-                <a:srgbClr val="00B0F0">
-                  <a:shade val="67500"/>
-                  <a:satMod val="115000"/>
-                </a:srgbClr>
-              </a:gs>
-              <a:gs pos="100000">
-                <a:srgbClr val="00B0F0">
-                  <a:shade val="100000"/>
-                  <a:satMod val="115000"/>
-                </a:srgbClr>
-              </a:gs>
-            </a:gsLst>
-            <a:path path="circle">
-              <a:fillToRect t="100000" r="100000"/>
-            </a:path>
-            <a:tileRect l="-100000" b="-100000"/>
-          </a:gradFill>
+          <a:solidFill>
+            <a:srgbClr val="00B0F0"/>
+          </a:solidFill>
         </p:spPr>
         <p:txBody>
           <a:bodyPr>
@@ -13342,14 +13389,14 @@
           <a:lstStyle/>
           <a:p>
             <a:r>
-              <a:rPr lang="en-US" altLang="zh-TW" sz="6000" b="1" dirty="0">
+              <a:rPr lang="en-US" altLang="zh-TW" sz="4800" b="1" dirty="0">
                 <a:solidFill>
                   <a:srgbClr val="FFFF00"/>
                 </a:solidFill>
               </a:rPr>
-              <a:t>End of Chapter</a:t>
-            </a:r>
-            <a:endParaRPr lang="zh-TW" altLang="en-US" sz="6000" b="1" dirty="0">
+              <a:t>17.4 Summary</a:t>
+            </a:r>
+            <a:endParaRPr lang="zh-TW" altLang="en-US" sz="4800" b="1" dirty="0">
               <a:solidFill>
                 <a:srgbClr val="FFFF00"/>
               </a:solidFill>
@@ -13372,10 +13419,10 @@
           <a:bodyPr/>
           <a:lstStyle/>
           <a:p>
-            <a:fld id="{4E46BE27-E923-4EC2-B046-3272AE2A3E5C}" type="datetime1">
+            <a:fld id="{C389EDC9-19E3-47AC-9C57-C6A24DEA81AD}" type="datetime1">
               <a:rPr lang="zh-TW" altLang="en-US" smtClean="0"/>
               <a:pPr/>
-              <a:t>2020/5/28</a:t>
+              <a:t>2020/5/30</a:t>
             </a:fld>
             <a:endParaRPr lang="zh-TW" altLang="en-US"/>
           </a:p>
@@ -13405,7 +13452,42 @@
           </a:p>
         </p:txBody>
       </p:sp>
+      <p:pic>
+        <p:nvPicPr>
+          <p:cNvPr id="7" name="Picture 6">
+            <a:extLst>
+              <a:ext uri="{FF2B5EF4-FFF2-40B4-BE49-F238E27FC236}">
+                <a16:creationId xmlns:a16="http://schemas.microsoft.com/office/drawing/2014/main" id="{6036082F-9FF3-4FD3-AAB6-79929EA80D69}"/>
+              </a:ext>
+            </a:extLst>
+          </p:cNvPr>
+          <p:cNvPicPr>
+            <a:picLocks noChangeAspect="1"/>
+          </p:cNvPicPr>
+          <p:nvPr/>
+        </p:nvPicPr>
+        <p:blipFill>
+          <a:blip r:embed="rId2"/>
+          <a:stretch>
+            <a:fillRect/>
+          </a:stretch>
+        </p:blipFill>
+        <p:spPr>
+          <a:xfrm>
+            <a:off x="3995936" y="3646102"/>
+            <a:ext cx="833859" cy="989784"/>
+          </a:xfrm>
+          <a:prstGeom prst="rect">
+            <a:avLst/>
+          </a:prstGeom>
+        </p:spPr>
+      </p:pic>
     </p:spTree>
+    <p:extLst>
+      <p:ext uri="{BB962C8B-B14F-4D97-AF65-F5344CB8AC3E}">
+        <p14:creationId xmlns:p14="http://schemas.microsoft.com/office/powerpoint/2010/main" val="4195801172"/>
+      </p:ext>
+    </p:extLst>
   </p:cSld>
   <p:clrMapOvr>
     <a:masterClrMapping/>
@@ -13413,7 +13495,7 @@
 </p:sld>
 </file>
 
-<file path=ppt/slides/slide3.xml><?xml version="1.0" encoding="utf-8"?>
+<file path=ppt/slides/slide29.xml><?xml version="1.0" encoding="utf-8"?>
 <p:sld xmlns:a="http://schemas.openxmlformats.org/drawingml/2006/main" xmlns:r="http://schemas.openxmlformats.org/officeDocument/2006/relationships" xmlns:p="http://schemas.openxmlformats.org/presentationml/2006/main">
   <p:cSld>
     <p:spTree>
@@ -13485,7 +13567,7 @@
                   <a:srgbClr val="FFFF00"/>
                 </a:solidFill>
               </a:rPr>
-              <a:t>17 Build CNN (Part 2)</a:t>
+              <a:t>17.4 Summary</a:t>
             </a:r>
             <a:endParaRPr lang="zh-TW" altLang="en-US" b="1" dirty="0">
               <a:solidFill>
@@ -13507,8 +13589,8 @@
         </p:nvSpPr>
         <p:spPr>
           <a:xfrm>
-            <a:off x="457200" y="1325450"/>
-            <a:ext cx="8352928" cy="1023430"/>
+            <a:off x="457200" y="1286078"/>
+            <a:ext cx="8352928" cy="3583082"/>
           </a:xfrm>
           <a:ln>
             <a:solidFill>
@@ -13536,7 +13618,7 @@
                   <a:schemeClr val="tx1"/>
                 </a:solidFill>
               </a:rPr>
-              <a:t>Build CNN</a:t>
+              <a:t>Summary</a:t>
             </a:r>
           </a:p>
           <a:p>
@@ -13554,23 +13636,7 @@
                   <a:schemeClr val="tx1"/>
                 </a:solidFill>
               </a:rPr>
-              <a:t>Object Oriented Programming view of </a:t>
-            </a:r>
-            <a:r>
-              <a:rPr lang="en-US" sz="1800" dirty="0" err="1">
-                <a:solidFill>
-                  <a:schemeClr val="tx1"/>
-                </a:solidFill>
-              </a:rPr>
-              <a:t>PyTroch</a:t>
-            </a:r>
-            <a:r>
-              <a:rPr lang="en-US" sz="1800" dirty="0">
-                <a:solidFill>
-                  <a:schemeClr val="tx1"/>
-                </a:solidFill>
-              </a:rPr>
-              <a:t>:</a:t>
+              <a:t>We discussed how to build model by CNN.</a:t>
             </a:r>
           </a:p>
           <a:p>
@@ -13588,7 +13654,115 @@
                   <a:schemeClr val="tx1"/>
                 </a:solidFill>
               </a:rPr>
-              <a:t>Open C:\Users\14088\anaconda3\Lin\site-packages\torch\nn\modules\modules.py</a:t>
+              <a:t>From the high level perspective, we are in Build the Model.</a:t>
+            </a:r>
+          </a:p>
+          <a:p>
+            <a:pPr marL="342900" indent="-342900" algn="l">
+              <a:buClr>
+                <a:srgbClr val="0070C0"/>
+              </a:buClr>
+              <a:buSzPct val="80000"/>
+              <a:buFont typeface="+mj-lt"/>
+              <a:buAutoNum type="arabicPeriod"/>
+            </a:pPr>
+            <a:r>
+              <a:rPr lang="en-US" sz="1800" dirty="0">
+                <a:solidFill>
+                  <a:schemeClr val="tx1"/>
+                </a:solidFill>
+              </a:rPr>
+              <a:t>Prepare the Data</a:t>
+            </a:r>
+          </a:p>
+          <a:p>
+            <a:pPr marL="342900" indent="-342900" algn="l">
+              <a:buClr>
+                <a:srgbClr val="0070C0"/>
+              </a:buClr>
+              <a:buSzPct val="80000"/>
+              <a:buFont typeface="+mj-lt"/>
+              <a:buAutoNum type="arabicPeriod"/>
+            </a:pPr>
+            <a:r>
+              <a:rPr lang="en-US" sz="1800" b="1" dirty="0">
+                <a:solidFill>
+                  <a:schemeClr val="tx1"/>
+                </a:solidFill>
+              </a:rPr>
+              <a:t>Build the Model</a:t>
+            </a:r>
+          </a:p>
+          <a:p>
+            <a:pPr marL="342900" indent="-342900" algn="l">
+              <a:buClr>
+                <a:srgbClr val="0070C0"/>
+              </a:buClr>
+              <a:buSzPct val="80000"/>
+              <a:buFont typeface="+mj-lt"/>
+              <a:buAutoNum type="arabicPeriod"/>
+            </a:pPr>
+            <a:r>
+              <a:rPr lang="en-US" sz="1800" dirty="0">
+                <a:solidFill>
+                  <a:schemeClr val="tx1"/>
+                </a:solidFill>
+              </a:rPr>
+              <a:t>Train the Model</a:t>
+            </a:r>
+          </a:p>
+          <a:p>
+            <a:pPr marL="342900" indent="-342900" algn="l">
+              <a:buClr>
+                <a:srgbClr val="0070C0"/>
+              </a:buClr>
+              <a:buSzPct val="80000"/>
+              <a:buFont typeface="+mj-lt"/>
+              <a:buAutoNum type="arabicPeriod"/>
+            </a:pPr>
+            <a:r>
+              <a:rPr lang="en-US" sz="1800" dirty="0">
+                <a:solidFill>
+                  <a:schemeClr val="tx1"/>
+                </a:solidFill>
+              </a:rPr>
+              <a:t>Analyze the Model result</a:t>
+            </a:r>
+          </a:p>
+          <a:p>
+            <a:pPr marL="342900" indent="-342900" algn="l">
+              <a:buClr>
+                <a:srgbClr val="0070C0"/>
+              </a:buClr>
+              <a:buSzPct val="80000"/>
+              <a:buFont typeface="Wingdings" pitchFamily="2" charset="2"/>
+              <a:buChar char="u"/>
+            </a:pPr>
+            <a:r>
+              <a:rPr lang="en-US" sz="1800" dirty="0">
+                <a:solidFill>
+                  <a:schemeClr val="tx1"/>
+                </a:solidFill>
+              </a:rPr>
+              <a:t>We are ready to build the model. When we say model, we mean the network. The words model and network refer the same thing.</a:t>
+            </a:r>
+          </a:p>
+          <a:p>
+            <a:pPr marL="342900" indent="-342900" algn="l">
+              <a:buClr>
+                <a:srgbClr val="0070C0"/>
+              </a:buClr>
+              <a:buSzPct val="80000"/>
+              <a:buFont typeface="Wingdings" pitchFamily="2" charset="2"/>
+              <a:buChar char="u"/>
+            </a:pPr>
+            <a:r>
+              <a:rPr lang="en-US" sz="1800" dirty="0">
+                <a:solidFill>
+                  <a:schemeClr val="tx1"/>
+                </a:solidFill>
+              </a:rPr>
+              <a:t>What we want the network do is model or approximate a function that maps an image input to the correct output class. </a:t>
             </a:r>
           </a:p>
         </p:txBody>
@@ -13688,7 +13862,325 @@
             <a:fld id="{A4F910E6-8D00-4BAF-8C48-9688E0B449D3}" type="datetime1">
               <a:rPr lang="zh-TW" altLang="en-US" smtClean="0"/>
               <a:pPr/>
-              <a:t>2020/5/28</a:t>
+              <a:t>2020/5/30</a:t>
+            </a:fld>
+            <a:endParaRPr lang="zh-TW" altLang="en-US"/>
+          </a:p>
+        </p:txBody>
+      </p:sp>
+      <p:sp>
+        <p:nvSpPr>
+          <p:cNvPr id="6" name="投影片編號版面配置區 5"/>
+          <p:cNvSpPr>
+            <a:spLocks noGrp="1"/>
+          </p:cNvSpPr>
+          <p:nvPr>
+            <p:ph type="sldNum" sz="quarter" idx="12"/>
+          </p:nvPr>
+        </p:nvSpPr>
+        <p:spPr/>
+        <p:txBody>
+          <a:bodyPr/>
+          <a:lstStyle/>
+          <a:p>
+            <a:fld id="{E4D7E63D-91F2-4366-A2C4-1B00C9E2590E}" type="slidenum">
+              <a:rPr lang="zh-TW" altLang="en-US" smtClean="0"/>
+              <a:pPr/>
+              <a:t>29</a:t>
+            </a:fld>
+            <a:endParaRPr lang="zh-TW" altLang="en-US"/>
+          </a:p>
+        </p:txBody>
+      </p:sp>
+    </p:spTree>
+    <p:extLst>
+      <p:ext uri="{BB962C8B-B14F-4D97-AF65-F5344CB8AC3E}">
+        <p14:creationId xmlns:p14="http://schemas.microsoft.com/office/powerpoint/2010/main" val="3023899735"/>
+      </p:ext>
+    </p:extLst>
+  </p:cSld>
+  <p:clrMapOvr>
+    <a:masterClrMapping/>
+  </p:clrMapOvr>
+</p:sld>
+</file>
+
+<file path=ppt/slides/slide3.xml><?xml version="1.0" encoding="utf-8"?>
+<p:sld xmlns:a="http://schemas.openxmlformats.org/drawingml/2006/main" xmlns:r="http://schemas.openxmlformats.org/officeDocument/2006/relationships" xmlns:p="http://schemas.openxmlformats.org/presentationml/2006/main">
+  <p:cSld>
+    <p:spTree>
+      <p:nvGrpSpPr>
+        <p:cNvPr id="1" name=""/>
+        <p:cNvGrpSpPr/>
+        <p:nvPr/>
+      </p:nvGrpSpPr>
+      <p:grpSpPr>
+        <a:xfrm>
+          <a:off x="0" y="0"/>
+          <a:ext cx="0" cy="0"/>
+          <a:chOff x="0" y="0"/>
+          <a:chExt cx="0" cy="0"/>
+        </a:xfrm>
+      </p:grpSpPr>
+      <p:sp>
+        <p:nvSpPr>
+          <p:cNvPr id="2" name="標題 1"/>
+          <p:cNvSpPr>
+            <a:spLocks noGrp="1"/>
+          </p:cNvSpPr>
+          <p:nvPr>
+            <p:ph type="ctrTitle"/>
+          </p:nvPr>
+        </p:nvSpPr>
+        <p:spPr>
+          <a:xfrm>
+            <a:off x="0" y="1"/>
+            <a:ext cx="9144000" cy="764704"/>
+          </a:xfrm>
+          <a:gradFill flip="none" rotWithShape="1">
+            <a:gsLst>
+              <a:gs pos="0">
+                <a:srgbClr val="C00000">
+                  <a:shade val="30000"/>
+                  <a:satMod val="115000"/>
+                </a:srgbClr>
+              </a:gs>
+              <a:gs pos="50000">
+                <a:srgbClr val="C00000">
+                  <a:shade val="67500"/>
+                  <a:satMod val="115000"/>
+                </a:srgbClr>
+              </a:gs>
+              <a:gs pos="100000">
+                <a:srgbClr val="C00000">
+                  <a:shade val="100000"/>
+                  <a:satMod val="115000"/>
+                </a:srgbClr>
+              </a:gs>
+            </a:gsLst>
+            <a:path path="circle">
+              <a:fillToRect t="100000" r="100000"/>
+            </a:path>
+            <a:tileRect l="-100000" b="-100000"/>
+          </a:gradFill>
+        </p:spPr>
+        <p:txBody>
+          <a:bodyPr>
+            <a:normAutofit/>
+          </a:bodyPr>
+          <a:lstStyle/>
+          <a:p>
+            <a:pPr algn="l"/>
+            <a:r>
+              <a:rPr lang="en-US" altLang="zh-TW" b="1" dirty="0">
+                <a:solidFill>
+                  <a:srgbClr val="FFFF00"/>
+                </a:solidFill>
+              </a:rPr>
+              <a:t>17 Build CNN (Part 2)</a:t>
+            </a:r>
+            <a:endParaRPr lang="zh-TW" altLang="en-US" b="1" dirty="0">
+              <a:solidFill>
+                <a:srgbClr val="FFFF00"/>
+              </a:solidFill>
+            </a:endParaRPr>
+          </a:p>
+        </p:txBody>
+      </p:sp>
+      <p:sp>
+        <p:nvSpPr>
+          <p:cNvPr id="3" name="副標題 2"/>
+          <p:cNvSpPr>
+            <a:spLocks noGrp="1"/>
+          </p:cNvSpPr>
+          <p:nvPr>
+            <p:ph type="subTitle" idx="1"/>
+          </p:nvPr>
+        </p:nvSpPr>
+        <p:spPr>
+          <a:xfrm>
+            <a:off x="457200" y="1325450"/>
+            <a:ext cx="8352928" cy="1023430"/>
+          </a:xfrm>
+          <a:ln>
+            <a:solidFill>
+              <a:srgbClr val="C00000"/>
+            </a:solidFill>
+          </a:ln>
+        </p:spPr>
+        <p:txBody>
+          <a:bodyPr>
+            <a:noAutofit/>
+          </a:bodyPr>
+          <a:lstStyle/>
+          <a:p>
+            <a:pPr marL="342900" indent="-342900" algn="l">
+              <a:buClr>
+                <a:srgbClr val="0070C0"/>
+              </a:buClr>
+              <a:buSzPct val="80000"/>
+              <a:buFont typeface="Wingdings" pitchFamily="2" charset="2"/>
+              <a:buChar char="u"/>
+            </a:pPr>
+            <a:r>
+              <a:rPr lang="en-US" sz="1800" b="1" dirty="0">
+                <a:solidFill>
+                  <a:schemeClr val="tx1"/>
+                </a:solidFill>
+              </a:rPr>
+              <a:t>Build CNN</a:t>
+            </a:r>
+          </a:p>
+          <a:p>
+            <a:pPr marL="342900" indent="-342900" algn="l">
+              <a:buClr>
+                <a:srgbClr val="0070C0"/>
+              </a:buClr>
+              <a:buSzPct val="80000"/>
+              <a:buFont typeface="Wingdings" pitchFamily="2" charset="2"/>
+              <a:buChar char="u"/>
+            </a:pPr>
+            <a:r>
+              <a:rPr lang="en-US" sz="1800" dirty="0">
+                <a:solidFill>
+                  <a:schemeClr val="tx1"/>
+                </a:solidFill>
+              </a:rPr>
+              <a:t>Object Oriented Programming view of </a:t>
+            </a:r>
+            <a:r>
+              <a:rPr lang="en-US" sz="1800" dirty="0" err="1">
+                <a:solidFill>
+                  <a:schemeClr val="tx1"/>
+                </a:solidFill>
+              </a:rPr>
+              <a:t>PyTroch</a:t>
+            </a:r>
+            <a:r>
+              <a:rPr lang="en-US" sz="1800" dirty="0">
+                <a:solidFill>
+                  <a:schemeClr val="tx1"/>
+                </a:solidFill>
+              </a:rPr>
+              <a:t>:</a:t>
+            </a:r>
+          </a:p>
+          <a:p>
+            <a:pPr marL="342900" indent="-342900" algn="l">
+              <a:buClr>
+                <a:srgbClr val="0070C0"/>
+              </a:buClr>
+              <a:buSzPct val="80000"/>
+              <a:buFont typeface="Wingdings" pitchFamily="2" charset="2"/>
+              <a:buChar char="u"/>
+            </a:pPr>
+            <a:r>
+              <a:rPr lang="en-US" sz="1800" dirty="0">
+                <a:solidFill>
+                  <a:schemeClr val="tx1"/>
+                </a:solidFill>
+              </a:rPr>
+              <a:t>Open C:\Users\14088\anaconda3\Lin\site-packages\torch\nn\modules\modules.py</a:t>
+            </a:r>
+          </a:p>
+        </p:txBody>
+      </p:sp>
+      <p:sp>
+        <p:nvSpPr>
+          <p:cNvPr id="4" name="標題 1"/>
+          <p:cNvSpPr txBox="1">
+            <a:spLocks/>
+          </p:cNvSpPr>
+          <p:nvPr/>
+        </p:nvSpPr>
+        <p:spPr>
+          <a:xfrm>
+            <a:off x="0" y="764704"/>
+            <a:ext cx="9144000" cy="360040"/>
+          </a:xfrm>
+          <a:prstGeom prst="rect">
+            <a:avLst/>
+          </a:prstGeom>
+          <a:gradFill flip="none" rotWithShape="1">
+            <a:gsLst>
+              <a:gs pos="0">
+                <a:srgbClr val="00B0F0">
+                  <a:shade val="30000"/>
+                  <a:satMod val="115000"/>
+                </a:srgbClr>
+              </a:gs>
+              <a:gs pos="50000">
+                <a:srgbClr val="00B0F0">
+                  <a:shade val="67500"/>
+                  <a:satMod val="115000"/>
+                </a:srgbClr>
+              </a:gs>
+              <a:gs pos="100000">
+                <a:srgbClr val="00B0F0">
+                  <a:shade val="100000"/>
+                  <a:satMod val="115000"/>
+                </a:srgbClr>
+              </a:gs>
+            </a:gsLst>
+            <a:path path="circle">
+              <a:fillToRect t="100000" r="100000"/>
+            </a:path>
+            <a:tileRect l="-100000" b="-100000"/>
+          </a:gradFill>
+        </p:spPr>
+        <p:txBody>
+          <a:bodyPr vert="horz" lIns="91440" tIns="45720" rIns="91440" bIns="45720" rtlCol="0" anchor="ctr">
+            <a:normAutofit/>
+          </a:bodyPr>
+          <a:lstStyle/>
+          <a:p>
+            <a:pPr lvl="0">
+              <a:spcBef>
+                <a:spcPct val="0"/>
+              </a:spcBef>
+            </a:pPr>
+            <a:r>
+              <a:rPr lang="en-US" sz="1600" dirty="0">
+                <a:hlinkClick r:id="rId2"/>
+              </a:rPr>
+              <a:t>https://www.youtube.com/watch?v=k4jY9L8H89U&amp;list=PLZbbT5o_s2xrfNyHZsM6ufI0iZENK9xgG&amp;index=17</a:t>
+            </a:r>
+            <a:endParaRPr kumimoji="0" lang="zh-TW" altLang="en-US" sz="1600" b="0" i="0" u="none" strike="noStrike" kern="1200" cap="none" spc="0" normalizeH="0" baseline="0" noProof="0" dirty="0">
+              <a:ln>
+                <a:noFill/>
+              </a:ln>
+              <a:solidFill>
+                <a:schemeClr val="tx1"/>
+              </a:solidFill>
+              <a:effectLst/>
+              <a:uLnTx/>
+              <a:uFillTx/>
+              <a:latin typeface="+mj-lt"/>
+              <a:ea typeface="+mj-ea"/>
+              <a:cs typeface="+mj-cs"/>
+            </a:endParaRPr>
+          </a:p>
+        </p:txBody>
+      </p:sp>
+      <p:sp>
+        <p:nvSpPr>
+          <p:cNvPr id="5" name="日期版面配置區 4"/>
+          <p:cNvSpPr>
+            <a:spLocks noGrp="1"/>
+          </p:cNvSpPr>
+          <p:nvPr>
+            <p:ph type="dt" sz="half" idx="10"/>
+          </p:nvPr>
+        </p:nvSpPr>
+        <p:spPr/>
+        <p:txBody>
+          <a:bodyPr/>
+          <a:lstStyle/>
+          <a:p>
+            <a:fld id="{A4F910E6-8D00-4BAF-8C48-9688E0B449D3}" type="datetime1">
+              <a:rPr lang="zh-TW" altLang="en-US" smtClean="0"/>
+              <a:pPr/>
+              <a:t>2020/5/30</a:t>
             </a:fld>
             <a:endParaRPr lang="zh-TW" altLang="en-US"/>
           </a:p>
@@ -13766,7 +14258,156 @@
 </p:sld>
 </file>
 
-<file path=ppt/slides/slide4.xml><?xml version="1.0" encoding="utf-8"?>
+<file path=ppt/slides/slide30.xml><?xml version="1.0" encoding="utf-8"?>
+<p:sld xmlns:a="http://schemas.openxmlformats.org/drawingml/2006/main" xmlns:r="http://schemas.openxmlformats.org/officeDocument/2006/relationships" xmlns:p="http://schemas.openxmlformats.org/presentationml/2006/main">
+  <p:cSld>
+    <p:spTree>
+      <p:nvGrpSpPr>
+        <p:cNvPr id="1" name=""/>
+        <p:cNvGrpSpPr/>
+        <p:nvPr/>
+      </p:nvGrpSpPr>
+      <p:grpSpPr>
+        <a:xfrm>
+          <a:off x="0" y="0"/>
+          <a:ext cx="0" cy="0"/>
+          <a:chOff x="0" y="0"/>
+          <a:chExt cx="0" cy="0"/>
+        </a:xfrm>
+      </p:grpSpPr>
+      <p:sp>
+        <p:nvSpPr>
+          <p:cNvPr id="2" name="標題 1"/>
+          <p:cNvSpPr>
+            <a:spLocks noGrp="1"/>
+          </p:cNvSpPr>
+          <p:nvPr>
+            <p:ph type="ctrTitle"/>
+          </p:nvPr>
+        </p:nvSpPr>
+        <p:spPr>
+          <a:xfrm>
+            <a:off x="0" y="2130425"/>
+            <a:ext cx="9144000" cy="1470025"/>
+          </a:xfrm>
+          <a:solidFill>
+            <a:srgbClr val="00B0F0"/>
+          </a:solidFill>
+        </p:spPr>
+        <p:txBody>
+          <a:bodyPr>
+            <a:normAutofit/>
+          </a:bodyPr>
+          <a:lstStyle/>
+          <a:p>
+            <a:r>
+              <a:rPr lang="en-US" altLang="zh-TW" sz="4800" b="1" dirty="0">
+                <a:solidFill>
+                  <a:srgbClr val="FFFF00"/>
+                </a:solidFill>
+              </a:rPr>
+              <a:t>17.5 Quiz</a:t>
+            </a:r>
+            <a:endParaRPr lang="zh-TW" altLang="en-US" sz="4800" b="1" dirty="0">
+              <a:solidFill>
+                <a:srgbClr val="FFFF00"/>
+              </a:solidFill>
+            </a:endParaRPr>
+          </a:p>
+        </p:txBody>
+      </p:sp>
+      <p:sp>
+        <p:nvSpPr>
+          <p:cNvPr id="5" name="日期版面配置區 4"/>
+          <p:cNvSpPr>
+            <a:spLocks noGrp="1"/>
+          </p:cNvSpPr>
+          <p:nvPr>
+            <p:ph type="dt" sz="half" idx="10"/>
+          </p:nvPr>
+        </p:nvSpPr>
+        <p:spPr/>
+        <p:txBody>
+          <a:bodyPr/>
+          <a:lstStyle/>
+          <a:p>
+            <a:fld id="{C389EDC9-19E3-47AC-9C57-C6A24DEA81AD}" type="datetime1">
+              <a:rPr lang="zh-TW" altLang="en-US" smtClean="0"/>
+              <a:pPr/>
+              <a:t>2020/5/30</a:t>
+            </a:fld>
+            <a:endParaRPr lang="zh-TW" altLang="en-US"/>
+          </a:p>
+        </p:txBody>
+      </p:sp>
+      <p:sp>
+        <p:nvSpPr>
+          <p:cNvPr id="6" name="投影片編號版面配置區 5"/>
+          <p:cNvSpPr>
+            <a:spLocks noGrp="1"/>
+          </p:cNvSpPr>
+          <p:nvPr>
+            <p:ph type="sldNum" sz="quarter" idx="12"/>
+          </p:nvPr>
+        </p:nvSpPr>
+        <p:spPr/>
+        <p:txBody>
+          <a:bodyPr/>
+          <a:lstStyle/>
+          <a:p>
+            <a:fld id="{E4D7E63D-91F2-4366-A2C4-1B00C9E2590E}" type="slidenum">
+              <a:rPr lang="zh-TW" altLang="en-US" smtClean="0"/>
+              <a:pPr/>
+              <a:t>30</a:t>
+            </a:fld>
+            <a:endParaRPr lang="zh-TW" altLang="en-US"/>
+          </a:p>
+        </p:txBody>
+      </p:sp>
+      <p:pic>
+        <p:nvPicPr>
+          <p:cNvPr id="7" name="Picture 6">
+            <a:extLst>
+              <a:ext uri="{FF2B5EF4-FFF2-40B4-BE49-F238E27FC236}">
+                <a16:creationId xmlns:a16="http://schemas.microsoft.com/office/drawing/2014/main" id="{6036082F-9FF3-4FD3-AAB6-79929EA80D69}"/>
+              </a:ext>
+            </a:extLst>
+          </p:cNvPr>
+          <p:cNvPicPr>
+            <a:picLocks noChangeAspect="1"/>
+          </p:cNvPicPr>
+          <p:nvPr/>
+        </p:nvPicPr>
+        <p:blipFill>
+          <a:blip r:embed="rId2"/>
+          <a:stretch>
+            <a:fillRect/>
+          </a:stretch>
+        </p:blipFill>
+        <p:spPr>
+          <a:xfrm>
+            <a:off x="3995936" y="3646102"/>
+            <a:ext cx="833859" cy="989784"/>
+          </a:xfrm>
+          <a:prstGeom prst="rect">
+            <a:avLst/>
+          </a:prstGeom>
+        </p:spPr>
+      </p:pic>
+    </p:spTree>
+    <p:extLst>
+      <p:ext uri="{BB962C8B-B14F-4D97-AF65-F5344CB8AC3E}">
+        <p14:creationId xmlns:p14="http://schemas.microsoft.com/office/powerpoint/2010/main" val="2876634371"/>
+      </p:ext>
+    </p:extLst>
+  </p:cSld>
+  <p:clrMapOvr>
+    <a:masterClrMapping/>
+  </p:clrMapOvr>
+</p:sld>
+</file>
+
+<file path=ppt/slides/slide31.xml><?xml version="1.0" encoding="utf-8"?>
 <p:sld xmlns:a="http://schemas.openxmlformats.org/drawingml/2006/main" xmlns:r="http://schemas.openxmlformats.org/officeDocument/2006/relationships" xmlns:p="http://schemas.openxmlformats.org/presentationml/2006/main">
   <p:cSld>
     <p:spTree>
@@ -13838,7 +14479,7 @@
                   <a:srgbClr val="FFFF00"/>
                 </a:solidFill>
               </a:rPr>
-              <a:t>17 Build CNN (Part 2)</a:t>
+              <a:t>17.5 Quiz</a:t>
             </a:r>
             <a:endParaRPr lang="zh-TW" altLang="en-US" b="1" dirty="0">
               <a:solidFill>
@@ -13860,8 +14501,8 @@
         </p:nvSpPr>
         <p:spPr>
           <a:xfrm>
-            <a:off x="457200" y="1325449"/>
-            <a:ext cx="8352928" cy="942021"/>
+            <a:off x="457200" y="1286078"/>
+            <a:ext cx="1090464" cy="360040"/>
           </a:xfrm>
           <a:ln>
             <a:solidFill>
@@ -13889,57 +14530,7 @@
                   <a:schemeClr val="tx1"/>
                 </a:solidFill>
               </a:rPr>
-              <a:t>Build CNN</a:t>
-            </a:r>
-          </a:p>
-          <a:p>
-            <a:pPr marL="342900" indent="-342900" algn="l">
-              <a:buClr>
-                <a:srgbClr val="0070C0"/>
-              </a:buClr>
-              <a:buSzPct val="80000"/>
-              <a:buFont typeface="Wingdings" pitchFamily="2" charset="2"/>
-              <a:buChar char="u"/>
-            </a:pPr>
-            <a:r>
-              <a:rPr lang="en-US" sz="1800" dirty="0">
-                <a:solidFill>
-                  <a:schemeClr val="tx1"/>
-                </a:solidFill>
-              </a:rPr>
-              <a:t>When we extend </a:t>
-            </a:r>
-            <a:r>
-              <a:rPr lang="en-US" sz="1800" dirty="0" err="1">
-                <a:solidFill>
-                  <a:schemeClr val="tx1"/>
-                </a:solidFill>
-              </a:rPr>
-              <a:t>torch.nn.Module</a:t>
-            </a:r>
-            <a:r>
-              <a:rPr lang="en-US" sz="1800" dirty="0">
-                <a:solidFill>
-                  <a:schemeClr val="tx1"/>
-                </a:solidFill>
-              </a:rPr>
-              <a:t> </a:t>
-            </a:r>
-            <a:r>
-              <a:rPr lang="en-US" sz="1800" dirty="0" err="1">
-                <a:solidFill>
-                  <a:schemeClr val="tx1"/>
-                </a:solidFill>
-              </a:rPr>
-              <a:t>pyTorch</a:t>
-            </a:r>
-            <a:r>
-              <a:rPr lang="en-US" sz="1800" dirty="0">
-                <a:solidFill>
-                  <a:schemeClr val="tx1"/>
-                </a:solidFill>
-              </a:rPr>
-              <a:t> class. This mean we need to utilize the Object-Oriented Programming in Python.</a:t>
+              <a:t>Quiz</a:t>
             </a:r>
           </a:p>
         </p:txBody>
@@ -14039,7 +14630,2794 @@
             <a:fld id="{A4F910E6-8D00-4BAF-8C48-9688E0B449D3}" type="datetime1">
               <a:rPr lang="zh-TW" altLang="en-US" smtClean="0"/>
               <a:pPr/>
-              <a:t>2020/5/28</a:t>
+              <a:t>2020/5/30</a:t>
+            </a:fld>
+            <a:endParaRPr lang="zh-TW" altLang="en-US"/>
+          </a:p>
+        </p:txBody>
+      </p:sp>
+      <p:sp>
+        <p:nvSpPr>
+          <p:cNvPr id="6" name="投影片編號版面配置區 5"/>
+          <p:cNvSpPr>
+            <a:spLocks noGrp="1"/>
+          </p:cNvSpPr>
+          <p:nvPr>
+            <p:ph type="sldNum" sz="quarter" idx="12"/>
+          </p:nvPr>
+        </p:nvSpPr>
+        <p:spPr/>
+        <p:txBody>
+          <a:bodyPr/>
+          <a:lstStyle/>
+          <a:p>
+            <a:fld id="{E4D7E63D-91F2-4366-A2C4-1B00C9E2590E}" type="slidenum">
+              <a:rPr lang="zh-TW" altLang="en-US" smtClean="0"/>
+              <a:pPr/>
+              <a:t>31</a:t>
+            </a:fld>
+            <a:endParaRPr lang="zh-TW" altLang="en-US"/>
+          </a:p>
+        </p:txBody>
+      </p:sp>
+      <p:pic>
+        <p:nvPicPr>
+          <p:cNvPr id="7" name="Picture 6">
+            <a:extLst>
+              <a:ext uri="{FF2B5EF4-FFF2-40B4-BE49-F238E27FC236}">
+                <a16:creationId xmlns:a16="http://schemas.microsoft.com/office/drawing/2014/main" id="{F2F00415-2D6B-4E9F-BC48-32141B021270}"/>
+              </a:ext>
+            </a:extLst>
+          </p:cNvPr>
+          <p:cNvPicPr>
+            <a:picLocks noChangeAspect="1"/>
+          </p:cNvPicPr>
+          <p:nvPr/>
+        </p:nvPicPr>
+        <p:blipFill>
+          <a:blip r:embed="rId3"/>
+          <a:stretch>
+            <a:fillRect/>
+          </a:stretch>
+        </p:blipFill>
+        <p:spPr>
+          <a:xfrm>
+            <a:off x="1763688" y="1243278"/>
+            <a:ext cx="5991225" cy="4086225"/>
+          </a:xfrm>
+          <a:prstGeom prst="rect">
+            <a:avLst/>
+          </a:prstGeom>
+          <a:ln>
+            <a:solidFill>
+              <a:srgbClr val="C00000"/>
+            </a:solidFill>
+          </a:ln>
+        </p:spPr>
+      </p:pic>
+    </p:spTree>
+    <p:extLst>
+      <p:ext uri="{BB962C8B-B14F-4D97-AF65-F5344CB8AC3E}">
+        <p14:creationId xmlns:p14="http://schemas.microsoft.com/office/powerpoint/2010/main" val="1561433584"/>
+      </p:ext>
+    </p:extLst>
+  </p:cSld>
+  <p:clrMapOvr>
+    <a:masterClrMapping/>
+  </p:clrMapOvr>
+</p:sld>
+</file>
+
+<file path=ppt/slides/slide32.xml><?xml version="1.0" encoding="utf-8"?>
+<p:sld xmlns:a="http://schemas.openxmlformats.org/drawingml/2006/main" xmlns:r="http://schemas.openxmlformats.org/officeDocument/2006/relationships" xmlns:p="http://schemas.openxmlformats.org/presentationml/2006/main">
+  <p:cSld>
+    <p:spTree>
+      <p:nvGrpSpPr>
+        <p:cNvPr id="1" name=""/>
+        <p:cNvGrpSpPr/>
+        <p:nvPr/>
+      </p:nvGrpSpPr>
+      <p:grpSpPr>
+        <a:xfrm>
+          <a:off x="0" y="0"/>
+          <a:ext cx="0" cy="0"/>
+          <a:chOff x="0" y="0"/>
+          <a:chExt cx="0" cy="0"/>
+        </a:xfrm>
+      </p:grpSpPr>
+      <p:sp>
+        <p:nvSpPr>
+          <p:cNvPr id="2" name="標題 1"/>
+          <p:cNvSpPr>
+            <a:spLocks noGrp="1"/>
+          </p:cNvSpPr>
+          <p:nvPr>
+            <p:ph type="ctrTitle"/>
+          </p:nvPr>
+        </p:nvSpPr>
+        <p:spPr>
+          <a:xfrm>
+            <a:off x="0" y="1"/>
+            <a:ext cx="9144000" cy="764704"/>
+          </a:xfrm>
+          <a:gradFill flip="none" rotWithShape="1">
+            <a:gsLst>
+              <a:gs pos="0">
+                <a:srgbClr val="C00000">
+                  <a:shade val="30000"/>
+                  <a:satMod val="115000"/>
+                </a:srgbClr>
+              </a:gs>
+              <a:gs pos="50000">
+                <a:srgbClr val="C00000">
+                  <a:shade val="67500"/>
+                  <a:satMod val="115000"/>
+                </a:srgbClr>
+              </a:gs>
+              <a:gs pos="100000">
+                <a:srgbClr val="C00000">
+                  <a:shade val="100000"/>
+                  <a:satMod val="115000"/>
+                </a:srgbClr>
+              </a:gs>
+            </a:gsLst>
+            <a:path path="circle">
+              <a:fillToRect t="100000" r="100000"/>
+            </a:path>
+            <a:tileRect l="-100000" b="-100000"/>
+          </a:gradFill>
+        </p:spPr>
+        <p:txBody>
+          <a:bodyPr>
+            <a:normAutofit/>
+          </a:bodyPr>
+          <a:lstStyle/>
+          <a:p>
+            <a:pPr algn="l"/>
+            <a:r>
+              <a:rPr lang="en-US" altLang="zh-TW" b="1" dirty="0">
+                <a:solidFill>
+                  <a:srgbClr val="FFFF00"/>
+                </a:solidFill>
+              </a:rPr>
+              <a:t>17.5 Quiz</a:t>
+            </a:r>
+            <a:endParaRPr lang="zh-TW" altLang="en-US" b="1" dirty="0">
+              <a:solidFill>
+                <a:srgbClr val="FFFF00"/>
+              </a:solidFill>
+            </a:endParaRPr>
+          </a:p>
+        </p:txBody>
+      </p:sp>
+      <p:sp>
+        <p:nvSpPr>
+          <p:cNvPr id="3" name="副標題 2"/>
+          <p:cNvSpPr>
+            <a:spLocks noGrp="1"/>
+          </p:cNvSpPr>
+          <p:nvPr>
+            <p:ph type="subTitle" idx="1"/>
+          </p:nvPr>
+        </p:nvSpPr>
+        <p:spPr>
+          <a:xfrm>
+            <a:off x="457200" y="1286078"/>
+            <a:ext cx="1090464" cy="360040"/>
+          </a:xfrm>
+          <a:ln>
+            <a:solidFill>
+              <a:srgbClr val="C00000"/>
+            </a:solidFill>
+          </a:ln>
+        </p:spPr>
+        <p:txBody>
+          <a:bodyPr>
+            <a:noAutofit/>
+          </a:bodyPr>
+          <a:lstStyle/>
+          <a:p>
+            <a:pPr marL="342900" indent="-342900" algn="l">
+              <a:buClr>
+                <a:srgbClr val="0070C0"/>
+              </a:buClr>
+              <a:buSzPct val="80000"/>
+              <a:buFont typeface="Wingdings" pitchFamily="2" charset="2"/>
+              <a:buChar char="u"/>
+            </a:pPr>
+            <a:r>
+              <a:rPr lang="en-US" sz="1800" b="1" dirty="0">
+                <a:solidFill>
+                  <a:schemeClr val="tx1"/>
+                </a:solidFill>
+              </a:rPr>
+              <a:t>Quiz</a:t>
+            </a:r>
+          </a:p>
+        </p:txBody>
+      </p:sp>
+      <p:sp>
+        <p:nvSpPr>
+          <p:cNvPr id="4" name="標題 1"/>
+          <p:cNvSpPr txBox="1">
+            <a:spLocks/>
+          </p:cNvSpPr>
+          <p:nvPr/>
+        </p:nvSpPr>
+        <p:spPr>
+          <a:xfrm>
+            <a:off x="0" y="764704"/>
+            <a:ext cx="9144000" cy="360040"/>
+          </a:xfrm>
+          <a:prstGeom prst="rect">
+            <a:avLst/>
+          </a:prstGeom>
+          <a:gradFill flip="none" rotWithShape="1">
+            <a:gsLst>
+              <a:gs pos="0">
+                <a:srgbClr val="00B0F0">
+                  <a:shade val="30000"/>
+                  <a:satMod val="115000"/>
+                </a:srgbClr>
+              </a:gs>
+              <a:gs pos="50000">
+                <a:srgbClr val="00B0F0">
+                  <a:shade val="67500"/>
+                  <a:satMod val="115000"/>
+                </a:srgbClr>
+              </a:gs>
+              <a:gs pos="100000">
+                <a:srgbClr val="00B0F0">
+                  <a:shade val="100000"/>
+                  <a:satMod val="115000"/>
+                </a:srgbClr>
+              </a:gs>
+            </a:gsLst>
+            <a:path path="circle">
+              <a:fillToRect t="100000" r="100000"/>
+            </a:path>
+            <a:tileRect l="-100000" b="-100000"/>
+          </a:gradFill>
+        </p:spPr>
+        <p:txBody>
+          <a:bodyPr vert="horz" lIns="91440" tIns="45720" rIns="91440" bIns="45720" rtlCol="0" anchor="ctr">
+            <a:normAutofit/>
+          </a:bodyPr>
+          <a:lstStyle/>
+          <a:p>
+            <a:pPr lvl="0">
+              <a:spcBef>
+                <a:spcPct val="0"/>
+              </a:spcBef>
+            </a:pPr>
+            <a:r>
+              <a:rPr lang="en-US" sz="1600" dirty="0">
+                <a:hlinkClick r:id="rId2"/>
+              </a:rPr>
+              <a:t>https://www.youtube.com/watch?v=k4jY9L8H89U&amp;list=PLZbbT5o_s2xrfNyHZsM6ufI0iZENK9xgG&amp;index=17</a:t>
+            </a:r>
+            <a:endParaRPr kumimoji="0" lang="zh-TW" altLang="en-US" sz="1600" b="0" i="0" u="none" strike="noStrike" kern="1200" cap="none" spc="0" normalizeH="0" baseline="0" noProof="0" dirty="0">
+              <a:ln>
+                <a:noFill/>
+              </a:ln>
+              <a:solidFill>
+                <a:schemeClr val="tx1"/>
+              </a:solidFill>
+              <a:effectLst/>
+              <a:uLnTx/>
+              <a:uFillTx/>
+              <a:latin typeface="+mj-lt"/>
+              <a:ea typeface="+mj-ea"/>
+              <a:cs typeface="+mj-cs"/>
+            </a:endParaRPr>
+          </a:p>
+        </p:txBody>
+      </p:sp>
+      <p:sp>
+        <p:nvSpPr>
+          <p:cNvPr id="5" name="日期版面配置區 4"/>
+          <p:cNvSpPr>
+            <a:spLocks noGrp="1"/>
+          </p:cNvSpPr>
+          <p:nvPr>
+            <p:ph type="dt" sz="half" idx="10"/>
+          </p:nvPr>
+        </p:nvSpPr>
+        <p:spPr/>
+        <p:txBody>
+          <a:bodyPr/>
+          <a:lstStyle/>
+          <a:p>
+            <a:fld id="{A4F910E6-8D00-4BAF-8C48-9688E0B449D3}" type="datetime1">
+              <a:rPr lang="zh-TW" altLang="en-US" smtClean="0"/>
+              <a:pPr/>
+              <a:t>2020/5/30</a:t>
+            </a:fld>
+            <a:endParaRPr lang="zh-TW" altLang="en-US"/>
+          </a:p>
+        </p:txBody>
+      </p:sp>
+      <p:sp>
+        <p:nvSpPr>
+          <p:cNvPr id="6" name="投影片編號版面配置區 5"/>
+          <p:cNvSpPr>
+            <a:spLocks noGrp="1"/>
+          </p:cNvSpPr>
+          <p:nvPr>
+            <p:ph type="sldNum" sz="quarter" idx="12"/>
+          </p:nvPr>
+        </p:nvSpPr>
+        <p:spPr/>
+        <p:txBody>
+          <a:bodyPr/>
+          <a:lstStyle/>
+          <a:p>
+            <a:fld id="{E4D7E63D-91F2-4366-A2C4-1B00C9E2590E}" type="slidenum">
+              <a:rPr lang="zh-TW" altLang="en-US" smtClean="0"/>
+              <a:pPr/>
+              <a:t>32</a:t>
+            </a:fld>
+            <a:endParaRPr lang="zh-TW" altLang="en-US"/>
+          </a:p>
+        </p:txBody>
+      </p:sp>
+      <p:pic>
+        <p:nvPicPr>
+          <p:cNvPr id="8" name="Picture 7">
+            <a:extLst>
+              <a:ext uri="{FF2B5EF4-FFF2-40B4-BE49-F238E27FC236}">
+                <a16:creationId xmlns:a16="http://schemas.microsoft.com/office/drawing/2014/main" id="{483A73DA-2464-4131-9448-F549F47A7453}"/>
+              </a:ext>
+            </a:extLst>
+          </p:cNvPr>
+          <p:cNvPicPr>
+            <a:picLocks noChangeAspect="1"/>
+          </p:cNvPicPr>
+          <p:nvPr/>
+        </p:nvPicPr>
+        <p:blipFill>
+          <a:blip r:embed="rId3"/>
+          <a:stretch>
+            <a:fillRect/>
+          </a:stretch>
+        </p:blipFill>
+        <p:spPr>
+          <a:xfrm>
+            <a:off x="1764697" y="1261325"/>
+            <a:ext cx="6905625" cy="4867275"/>
+          </a:xfrm>
+          <a:prstGeom prst="rect">
+            <a:avLst/>
+          </a:prstGeom>
+          <a:ln>
+            <a:solidFill>
+              <a:srgbClr val="C00000"/>
+            </a:solidFill>
+          </a:ln>
+        </p:spPr>
+      </p:pic>
+    </p:spTree>
+    <p:extLst>
+      <p:ext uri="{BB962C8B-B14F-4D97-AF65-F5344CB8AC3E}">
+        <p14:creationId xmlns:p14="http://schemas.microsoft.com/office/powerpoint/2010/main" val="15325541"/>
+      </p:ext>
+    </p:extLst>
+  </p:cSld>
+  <p:clrMapOvr>
+    <a:masterClrMapping/>
+  </p:clrMapOvr>
+</p:sld>
+</file>
+
+<file path=ppt/slides/slide33.xml><?xml version="1.0" encoding="utf-8"?>
+<p:sld xmlns:a="http://schemas.openxmlformats.org/drawingml/2006/main" xmlns:r="http://schemas.openxmlformats.org/officeDocument/2006/relationships" xmlns:p="http://schemas.openxmlformats.org/presentationml/2006/main">
+  <p:cSld>
+    <p:spTree>
+      <p:nvGrpSpPr>
+        <p:cNvPr id="1" name=""/>
+        <p:cNvGrpSpPr/>
+        <p:nvPr/>
+      </p:nvGrpSpPr>
+      <p:grpSpPr>
+        <a:xfrm>
+          <a:off x="0" y="0"/>
+          <a:ext cx="0" cy="0"/>
+          <a:chOff x="0" y="0"/>
+          <a:chExt cx="0" cy="0"/>
+        </a:xfrm>
+      </p:grpSpPr>
+      <p:sp>
+        <p:nvSpPr>
+          <p:cNvPr id="2" name="標題 1"/>
+          <p:cNvSpPr>
+            <a:spLocks noGrp="1"/>
+          </p:cNvSpPr>
+          <p:nvPr>
+            <p:ph type="ctrTitle"/>
+          </p:nvPr>
+        </p:nvSpPr>
+        <p:spPr>
+          <a:xfrm>
+            <a:off x="0" y="1"/>
+            <a:ext cx="9144000" cy="764704"/>
+          </a:xfrm>
+          <a:gradFill flip="none" rotWithShape="1">
+            <a:gsLst>
+              <a:gs pos="0">
+                <a:srgbClr val="C00000">
+                  <a:shade val="30000"/>
+                  <a:satMod val="115000"/>
+                </a:srgbClr>
+              </a:gs>
+              <a:gs pos="50000">
+                <a:srgbClr val="C00000">
+                  <a:shade val="67500"/>
+                  <a:satMod val="115000"/>
+                </a:srgbClr>
+              </a:gs>
+              <a:gs pos="100000">
+                <a:srgbClr val="C00000">
+                  <a:shade val="100000"/>
+                  <a:satMod val="115000"/>
+                </a:srgbClr>
+              </a:gs>
+            </a:gsLst>
+            <a:path path="circle">
+              <a:fillToRect t="100000" r="100000"/>
+            </a:path>
+            <a:tileRect l="-100000" b="-100000"/>
+          </a:gradFill>
+        </p:spPr>
+        <p:txBody>
+          <a:bodyPr>
+            <a:normAutofit/>
+          </a:bodyPr>
+          <a:lstStyle/>
+          <a:p>
+            <a:pPr algn="l"/>
+            <a:r>
+              <a:rPr lang="en-US" altLang="zh-TW" b="1" dirty="0">
+                <a:solidFill>
+                  <a:srgbClr val="FFFF00"/>
+                </a:solidFill>
+              </a:rPr>
+              <a:t>17.5 Quiz</a:t>
+            </a:r>
+            <a:endParaRPr lang="zh-TW" altLang="en-US" b="1" dirty="0">
+              <a:solidFill>
+                <a:srgbClr val="FFFF00"/>
+              </a:solidFill>
+            </a:endParaRPr>
+          </a:p>
+        </p:txBody>
+      </p:sp>
+      <p:sp>
+        <p:nvSpPr>
+          <p:cNvPr id="3" name="副標題 2"/>
+          <p:cNvSpPr>
+            <a:spLocks noGrp="1"/>
+          </p:cNvSpPr>
+          <p:nvPr>
+            <p:ph type="subTitle" idx="1"/>
+          </p:nvPr>
+        </p:nvSpPr>
+        <p:spPr>
+          <a:xfrm>
+            <a:off x="457200" y="1286078"/>
+            <a:ext cx="1090464" cy="360040"/>
+          </a:xfrm>
+          <a:ln>
+            <a:solidFill>
+              <a:srgbClr val="C00000"/>
+            </a:solidFill>
+          </a:ln>
+        </p:spPr>
+        <p:txBody>
+          <a:bodyPr>
+            <a:noAutofit/>
+          </a:bodyPr>
+          <a:lstStyle/>
+          <a:p>
+            <a:pPr marL="342900" indent="-342900" algn="l">
+              <a:buClr>
+                <a:srgbClr val="0070C0"/>
+              </a:buClr>
+              <a:buSzPct val="80000"/>
+              <a:buFont typeface="Wingdings" pitchFamily="2" charset="2"/>
+              <a:buChar char="u"/>
+            </a:pPr>
+            <a:r>
+              <a:rPr lang="en-US" sz="1800" b="1" dirty="0">
+                <a:solidFill>
+                  <a:schemeClr val="tx1"/>
+                </a:solidFill>
+              </a:rPr>
+              <a:t>Quiz</a:t>
+            </a:r>
+          </a:p>
+        </p:txBody>
+      </p:sp>
+      <p:sp>
+        <p:nvSpPr>
+          <p:cNvPr id="4" name="標題 1"/>
+          <p:cNvSpPr txBox="1">
+            <a:spLocks/>
+          </p:cNvSpPr>
+          <p:nvPr/>
+        </p:nvSpPr>
+        <p:spPr>
+          <a:xfrm>
+            <a:off x="0" y="764704"/>
+            <a:ext cx="9144000" cy="360040"/>
+          </a:xfrm>
+          <a:prstGeom prst="rect">
+            <a:avLst/>
+          </a:prstGeom>
+          <a:gradFill flip="none" rotWithShape="1">
+            <a:gsLst>
+              <a:gs pos="0">
+                <a:srgbClr val="00B0F0">
+                  <a:shade val="30000"/>
+                  <a:satMod val="115000"/>
+                </a:srgbClr>
+              </a:gs>
+              <a:gs pos="50000">
+                <a:srgbClr val="00B0F0">
+                  <a:shade val="67500"/>
+                  <a:satMod val="115000"/>
+                </a:srgbClr>
+              </a:gs>
+              <a:gs pos="100000">
+                <a:srgbClr val="00B0F0">
+                  <a:shade val="100000"/>
+                  <a:satMod val="115000"/>
+                </a:srgbClr>
+              </a:gs>
+            </a:gsLst>
+            <a:path path="circle">
+              <a:fillToRect t="100000" r="100000"/>
+            </a:path>
+            <a:tileRect l="-100000" b="-100000"/>
+          </a:gradFill>
+        </p:spPr>
+        <p:txBody>
+          <a:bodyPr vert="horz" lIns="91440" tIns="45720" rIns="91440" bIns="45720" rtlCol="0" anchor="ctr">
+            <a:normAutofit/>
+          </a:bodyPr>
+          <a:lstStyle/>
+          <a:p>
+            <a:pPr lvl="0">
+              <a:spcBef>
+                <a:spcPct val="0"/>
+              </a:spcBef>
+            </a:pPr>
+            <a:r>
+              <a:rPr lang="en-US" sz="1600" dirty="0">
+                <a:hlinkClick r:id="rId2"/>
+              </a:rPr>
+              <a:t>https://www.youtube.com/watch?v=k4jY9L8H89U&amp;list=PLZbbT5o_s2xrfNyHZsM6ufI0iZENK9xgG&amp;index=17</a:t>
+            </a:r>
+            <a:endParaRPr kumimoji="0" lang="zh-TW" altLang="en-US" sz="1600" b="0" i="0" u="none" strike="noStrike" kern="1200" cap="none" spc="0" normalizeH="0" baseline="0" noProof="0" dirty="0">
+              <a:ln>
+                <a:noFill/>
+              </a:ln>
+              <a:solidFill>
+                <a:schemeClr val="tx1"/>
+              </a:solidFill>
+              <a:effectLst/>
+              <a:uLnTx/>
+              <a:uFillTx/>
+              <a:latin typeface="+mj-lt"/>
+              <a:ea typeface="+mj-ea"/>
+              <a:cs typeface="+mj-cs"/>
+            </a:endParaRPr>
+          </a:p>
+        </p:txBody>
+      </p:sp>
+      <p:sp>
+        <p:nvSpPr>
+          <p:cNvPr id="5" name="日期版面配置區 4"/>
+          <p:cNvSpPr>
+            <a:spLocks noGrp="1"/>
+          </p:cNvSpPr>
+          <p:nvPr>
+            <p:ph type="dt" sz="half" idx="10"/>
+          </p:nvPr>
+        </p:nvSpPr>
+        <p:spPr/>
+        <p:txBody>
+          <a:bodyPr/>
+          <a:lstStyle/>
+          <a:p>
+            <a:fld id="{A4F910E6-8D00-4BAF-8C48-9688E0B449D3}" type="datetime1">
+              <a:rPr lang="zh-TW" altLang="en-US" smtClean="0"/>
+              <a:pPr/>
+              <a:t>2020/5/30</a:t>
+            </a:fld>
+            <a:endParaRPr lang="zh-TW" altLang="en-US"/>
+          </a:p>
+        </p:txBody>
+      </p:sp>
+      <p:sp>
+        <p:nvSpPr>
+          <p:cNvPr id="6" name="投影片編號版面配置區 5"/>
+          <p:cNvSpPr>
+            <a:spLocks noGrp="1"/>
+          </p:cNvSpPr>
+          <p:nvPr>
+            <p:ph type="sldNum" sz="quarter" idx="12"/>
+          </p:nvPr>
+        </p:nvSpPr>
+        <p:spPr/>
+        <p:txBody>
+          <a:bodyPr/>
+          <a:lstStyle/>
+          <a:p>
+            <a:fld id="{E4D7E63D-91F2-4366-A2C4-1B00C9E2590E}" type="slidenum">
+              <a:rPr lang="zh-TW" altLang="en-US" smtClean="0"/>
+              <a:pPr/>
+              <a:t>33</a:t>
+            </a:fld>
+            <a:endParaRPr lang="zh-TW" altLang="en-US"/>
+          </a:p>
+        </p:txBody>
+      </p:sp>
+      <p:pic>
+        <p:nvPicPr>
+          <p:cNvPr id="7" name="Picture 6">
+            <a:extLst>
+              <a:ext uri="{FF2B5EF4-FFF2-40B4-BE49-F238E27FC236}">
+                <a16:creationId xmlns:a16="http://schemas.microsoft.com/office/drawing/2014/main" id="{9371D9CB-E5FE-44D3-A25E-B92303FC8A66}"/>
+              </a:ext>
+            </a:extLst>
+          </p:cNvPr>
+          <p:cNvPicPr>
+            <a:picLocks noChangeAspect="1"/>
+          </p:cNvPicPr>
+          <p:nvPr/>
+        </p:nvPicPr>
+        <p:blipFill>
+          <a:blip r:embed="rId3"/>
+          <a:stretch>
+            <a:fillRect/>
+          </a:stretch>
+        </p:blipFill>
+        <p:spPr>
+          <a:xfrm>
+            <a:off x="1691680" y="1270646"/>
+            <a:ext cx="6858000" cy="809625"/>
+          </a:xfrm>
+          <a:prstGeom prst="rect">
+            <a:avLst/>
+          </a:prstGeom>
+        </p:spPr>
+      </p:pic>
+      <p:sp>
+        <p:nvSpPr>
+          <p:cNvPr id="9" name="Rectangle 8">
+            <a:extLst>
+              <a:ext uri="{FF2B5EF4-FFF2-40B4-BE49-F238E27FC236}">
+                <a16:creationId xmlns:a16="http://schemas.microsoft.com/office/drawing/2014/main" id="{01F6B2D3-2A21-4168-BFFC-EA5D73327A43}"/>
+              </a:ext>
+            </a:extLst>
+          </p:cNvPr>
+          <p:cNvSpPr/>
+          <p:nvPr/>
+        </p:nvSpPr>
+        <p:spPr>
+          <a:xfrm>
+            <a:off x="1979712" y="2123425"/>
+            <a:ext cx="6048672" cy="2797080"/>
+          </a:xfrm>
+          <a:prstGeom prst="rect">
+            <a:avLst/>
+          </a:prstGeom>
+          <a:noFill/>
+          <a:ln>
+            <a:solidFill>
+              <a:srgbClr val="C00000"/>
+            </a:solidFill>
+          </a:ln>
+        </p:spPr>
+        <p:style>
+          <a:lnRef idx="2">
+            <a:schemeClr val="accent1">
+              <a:shade val="50000"/>
+            </a:schemeClr>
+          </a:lnRef>
+          <a:fillRef idx="1">
+            <a:schemeClr val="accent1"/>
+          </a:fillRef>
+          <a:effectRef idx="0">
+            <a:schemeClr val="accent1"/>
+          </a:effectRef>
+          <a:fontRef idx="minor">
+            <a:schemeClr val="lt1"/>
+          </a:fontRef>
+        </p:style>
+        <p:txBody>
+          <a:bodyPr rtlCol="0" anchor="ctr"/>
+          <a:lstStyle/>
+          <a:p>
+            <a:pPr lvl="0" eaLnBrk="0" fontAlgn="base" hangingPunct="0">
+              <a:spcBef>
+                <a:spcPct val="0"/>
+              </a:spcBef>
+              <a:spcAft>
+                <a:spcPct val="0"/>
+              </a:spcAft>
+            </a:pPr>
+            <a:r>
+              <a:rPr lang="en-US" altLang="en-US" sz="1400" dirty="0">
+                <a:solidFill>
+                  <a:srgbClr val="A626A4"/>
+                </a:solidFill>
+                <a:latin typeface="SFMono-Regular"/>
+              </a:rPr>
+              <a:t>class</a:t>
+            </a:r>
+            <a:r>
+              <a:rPr lang="en-US" altLang="en-US" sz="1400" dirty="0">
+                <a:solidFill>
+                  <a:srgbClr val="383A42"/>
+                </a:solidFill>
+                <a:latin typeface="SFMono-Regular"/>
+              </a:rPr>
+              <a:t> </a:t>
+            </a:r>
+            <a:r>
+              <a:rPr lang="en-US" altLang="en-US" sz="1400" dirty="0">
+                <a:solidFill>
+                  <a:srgbClr val="C18401"/>
+                </a:solidFill>
+                <a:latin typeface="SFMono-Regular"/>
+              </a:rPr>
+              <a:t>Network</a:t>
+            </a:r>
+            <a:r>
+              <a:rPr lang="en-US" altLang="en-US" sz="1400" dirty="0">
+                <a:solidFill>
+                  <a:srgbClr val="666600"/>
+                </a:solidFill>
+                <a:latin typeface="SFMono-Regular"/>
+              </a:rPr>
+              <a:t>(</a:t>
+            </a:r>
+            <a:r>
+              <a:rPr lang="en-US" altLang="en-US" sz="1400" dirty="0" err="1">
+                <a:solidFill>
+                  <a:srgbClr val="383A42"/>
+                </a:solidFill>
+                <a:latin typeface="SFMono-Regular"/>
+              </a:rPr>
+              <a:t>nn</a:t>
+            </a:r>
+            <a:r>
+              <a:rPr lang="en-US" altLang="en-US" sz="1400" dirty="0" err="1">
+                <a:solidFill>
+                  <a:srgbClr val="666600"/>
+                </a:solidFill>
+                <a:latin typeface="SFMono-Regular"/>
+              </a:rPr>
+              <a:t>.</a:t>
+            </a:r>
+            <a:r>
+              <a:rPr lang="en-US" altLang="en-US" sz="1400" dirty="0" err="1">
+                <a:solidFill>
+                  <a:srgbClr val="C18401"/>
+                </a:solidFill>
+                <a:latin typeface="SFMono-Regular"/>
+              </a:rPr>
+              <a:t>Module</a:t>
+            </a:r>
+            <a:r>
+              <a:rPr lang="en-US" altLang="en-US" sz="1400" dirty="0">
+                <a:solidFill>
+                  <a:srgbClr val="666600"/>
+                </a:solidFill>
+                <a:latin typeface="SFMono-Regular"/>
+              </a:rPr>
+              <a:t>):</a:t>
+            </a:r>
+            <a:r>
+              <a:rPr lang="en-US" altLang="en-US" sz="1400" dirty="0">
+                <a:solidFill>
+                  <a:srgbClr val="383A42"/>
+                </a:solidFill>
+                <a:latin typeface="SFMono-Regular"/>
+              </a:rPr>
+              <a:t> </a:t>
+            </a:r>
+          </a:p>
+          <a:p>
+            <a:pPr lvl="0" eaLnBrk="0" fontAlgn="base" hangingPunct="0">
+              <a:spcBef>
+                <a:spcPct val="0"/>
+              </a:spcBef>
+              <a:spcAft>
+                <a:spcPct val="0"/>
+              </a:spcAft>
+            </a:pPr>
+            <a:r>
+              <a:rPr lang="en-US" altLang="en-US" sz="1400" dirty="0">
+                <a:solidFill>
+                  <a:srgbClr val="383A42"/>
+                </a:solidFill>
+                <a:latin typeface="SFMono-Regular"/>
+              </a:rPr>
+              <a:t>    </a:t>
+            </a:r>
+            <a:r>
+              <a:rPr lang="en-US" altLang="en-US" sz="1400" dirty="0">
+                <a:solidFill>
+                  <a:srgbClr val="A626A4"/>
+                </a:solidFill>
+                <a:latin typeface="SFMono-Regular"/>
+              </a:rPr>
+              <a:t>def</a:t>
+            </a:r>
+            <a:r>
+              <a:rPr lang="en-US" altLang="en-US" sz="1400" dirty="0">
+                <a:solidFill>
+                  <a:srgbClr val="383A42"/>
+                </a:solidFill>
+                <a:latin typeface="SFMono-Regular"/>
+              </a:rPr>
+              <a:t> __</a:t>
+            </a:r>
+            <a:r>
+              <a:rPr lang="en-US" altLang="en-US" sz="1400" dirty="0" err="1">
+                <a:solidFill>
+                  <a:srgbClr val="383A42"/>
+                </a:solidFill>
+                <a:latin typeface="SFMono-Regular"/>
+              </a:rPr>
+              <a:t>init</a:t>
+            </a:r>
+            <a:r>
+              <a:rPr lang="en-US" altLang="en-US" sz="1400" dirty="0">
+                <a:solidFill>
+                  <a:srgbClr val="383A42"/>
+                </a:solidFill>
+                <a:latin typeface="SFMono-Regular"/>
+              </a:rPr>
+              <a:t>__</a:t>
+            </a:r>
+            <a:r>
+              <a:rPr lang="en-US" altLang="en-US" sz="1400" dirty="0">
+                <a:solidFill>
+                  <a:srgbClr val="666600"/>
+                </a:solidFill>
+                <a:latin typeface="SFMono-Regular"/>
+              </a:rPr>
+              <a:t>(</a:t>
+            </a:r>
+            <a:r>
+              <a:rPr lang="en-US" altLang="en-US" sz="1400" dirty="0">
+                <a:solidFill>
+                  <a:srgbClr val="A626A4"/>
+                </a:solidFill>
+                <a:latin typeface="SFMono-Regular"/>
+              </a:rPr>
+              <a:t>self</a:t>
+            </a:r>
+            <a:r>
+              <a:rPr lang="en-US" altLang="en-US" sz="1400" dirty="0">
+                <a:solidFill>
+                  <a:srgbClr val="666600"/>
+                </a:solidFill>
+                <a:latin typeface="SFMono-Regular"/>
+              </a:rPr>
+              <a:t>):</a:t>
+            </a:r>
+            <a:r>
+              <a:rPr lang="en-US" altLang="en-US" sz="1400" dirty="0">
+                <a:solidFill>
+                  <a:srgbClr val="383A42"/>
+                </a:solidFill>
+                <a:latin typeface="SFMono-Regular"/>
+              </a:rPr>
+              <a:t> </a:t>
+            </a:r>
+          </a:p>
+          <a:p>
+            <a:pPr lvl="0" eaLnBrk="0" fontAlgn="base" hangingPunct="0">
+              <a:spcBef>
+                <a:spcPct val="0"/>
+              </a:spcBef>
+              <a:spcAft>
+                <a:spcPct val="0"/>
+              </a:spcAft>
+            </a:pPr>
+            <a:r>
+              <a:rPr lang="en-US" altLang="en-US" sz="1400" dirty="0">
+                <a:solidFill>
+                  <a:srgbClr val="383A42"/>
+                </a:solidFill>
+                <a:latin typeface="SFMono-Regular"/>
+              </a:rPr>
+              <a:t>        </a:t>
+            </a:r>
+            <a:r>
+              <a:rPr lang="en-US" altLang="en-US" sz="1400" dirty="0">
+                <a:solidFill>
+                  <a:srgbClr val="A626A4"/>
+                </a:solidFill>
+                <a:latin typeface="SFMono-Regular"/>
+              </a:rPr>
+              <a:t>super</a:t>
+            </a:r>
+            <a:r>
+              <a:rPr lang="en-US" altLang="en-US" sz="1400" dirty="0">
+                <a:solidFill>
+                  <a:srgbClr val="666600"/>
+                </a:solidFill>
+                <a:latin typeface="SFMono-Regular"/>
+              </a:rPr>
+              <a:t>().</a:t>
+            </a:r>
+            <a:r>
+              <a:rPr lang="en-US" altLang="en-US" sz="1400" dirty="0">
+                <a:solidFill>
+                  <a:srgbClr val="383A42"/>
+                </a:solidFill>
+                <a:latin typeface="SFMono-Regular"/>
+              </a:rPr>
+              <a:t>__</a:t>
+            </a:r>
+            <a:r>
+              <a:rPr lang="en-US" altLang="en-US" sz="1400" dirty="0" err="1">
+                <a:solidFill>
+                  <a:srgbClr val="383A42"/>
+                </a:solidFill>
+                <a:latin typeface="SFMono-Regular"/>
+              </a:rPr>
+              <a:t>init</a:t>
+            </a:r>
+            <a:r>
+              <a:rPr lang="en-US" altLang="en-US" sz="1400" dirty="0">
+                <a:solidFill>
+                  <a:srgbClr val="383A42"/>
+                </a:solidFill>
+                <a:latin typeface="SFMono-Regular"/>
+              </a:rPr>
+              <a:t>__</a:t>
+            </a:r>
+            <a:r>
+              <a:rPr lang="en-US" altLang="en-US" sz="1400" dirty="0">
+                <a:solidFill>
+                  <a:srgbClr val="666600"/>
+                </a:solidFill>
+                <a:latin typeface="SFMono-Regular"/>
+              </a:rPr>
+              <a:t>()</a:t>
+            </a:r>
+            <a:r>
+              <a:rPr lang="en-US" altLang="en-US" sz="1400" dirty="0">
+                <a:solidFill>
+                  <a:srgbClr val="383A42"/>
+                </a:solidFill>
+                <a:latin typeface="SFMono-Regular"/>
+              </a:rPr>
+              <a:t> </a:t>
+            </a:r>
+          </a:p>
+          <a:p>
+            <a:pPr lvl="0" eaLnBrk="0" fontAlgn="base" hangingPunct="0">
+              <a:spcBef>
+                <a:spcPct val="0"/>
+              </a:spcBef>
+              <a:spcAft>
+                <a:spcPct val="0"/>
+              </a:spcAft>
+            </a:pPr>
+            <a:r>
+              <a:rPr lang="en-US" altLang="en-US" sz="1400" dirty="0">
+                <a:solidFill>
+                  <a:srgbClr val="383A42"/>
+                </a:solidFill>
+                <a:latin typeface="SFMono-Regular"/>
+              </a:rPr>
+              <a:t>        </a:t>
+            </a:r>
+            <a:r>
+              <a:rPr lang="en-US" altLang="en-US" sz="1400" dirty="0">
+                <a:solidFill>
+                  <a:srgbClr val="A626A4"/>
+                </a:solidFill>
+                <a:latin typeface="SFMono-Regular"/>
+              </a:rPr>
+              <a:t>self</a:t>
+            </a:r>
+            <a:r>
+              <a:rPr lang="en-US" altLang="en-US" sz="1400" dirty="0">
+                <a:solidFill>
+                  <a:srgbClr val="666600"/>
+                </a:solidFill>
+                <a:latin typeface="SFMono-Regular"/>
+              </a:rPr>
+              <a:t>.</a:t>
+            </a:r>
+            <a:r>
+              <a:rPr lang="en-US" altLang="en-US" sz="1400" dirty="0">
+                <a:solidFill>
+                  <a:srgbClr val="383A42"/>
+                </a:solidFill>
+                <a:latin typeface="SFMono-Regular"/>
+              </a:rPr>
+              <a:t>conv1 </a:t>
+            </a:r>
+            <a:r>
+              <a:rPr lang="en-US" altLang="en-US" sz="1400" dirty="0">
+                <a:solidFill>
+                  <a:srgbClr val="666600"/>
+                </a:solidFill>
+                <a:latin typeface="SFMono-Regular"/>
+              </a:rPr>
+              <a:t>=</a:t>
+            </a:r>
+            <a:r>
+              <a:rPr lang="en-US" altLang="en-US" sz="1400" dirty="0">
+                <a:solidFill>
+                  <a:srgbClr val="383A42"/>
+                </a:solidFill>
+                <a:latin typeface="SFMono-Regular"/>
+              </a:rPr>
+              <a:t> nn</a:t>
+            </a:r>
+            <a:r>
+              <a:rPr lang="en-US" altLang="en-US" sz="1400" dirty="0">
+                <a:solidFill>
+                  <a:srgbClr val="666600"/>
+                </a:solidFill>
+                <a:latin typeface="SFMono-Regular"/>
+              </a:rPr>
+              <a:t>.</a:t>
+            </a:r>
+            <a:r>
+              <a:rPr lang="en-US" altLang="en-US" sz="1400" dirty="0">
+                <a:solidFill>
+                  <a:srgbClr val="C18401"/>
+                </a:solidFill>
+                <a:latin typeface="SFMono-Regular"/>
+              </a:rPr>
+              <a:t>Conv2d</a:t>
+            </a:r>
+            <a:r>
+              <a:rPr lang="en-US" altLang="en-US" sz="1400" dirty="0">
+                <a:solidFill>
+                  <a:srgbClr val="666600"/>
+                </a:solidFill>
+                <a:latin typeface="SFMono-Regular"/>
+              </a:rPr>
+              <a:t>(</a:t>
+            </a:r>
+            <a:r>
+              <a:rPr lang="en-US" altLang="en-US" sz="1400" dirty="0" err="1">
+                <a:solidFill>
+                  <a:srgbClr val="383A42"/>
+                </a:solidFill>
+                <a:latin typeface="SFMono-Regular"/>
+              </a:rPr>
+              <a:t>in_channels</a:t>
+            </a:r>
+            <a:r>
+              <a:rPr lang="en-US" altLang="en-US" sz="1400" dirty="0">
+                <a:solidFill>
+                  <a:srgbClr val="666600"/>
+                </a:solidFill>
+                <a:latin typeface="SFMono-Regular"/>
+              </a:rPr>
+              <a:t>=</a:t>
+            </a:r>
+            <a:r>
+              <a:rPr lang="en-US" altLang="en-US" sz="1400" dirty="0">
+                <a:solidFill>
+                  <a:srgbClr val="006666"/>
+                </a:solidFill>
+                <a:latin typeface="SFMono-Regular"/>
+              </a:rPr>
+              <a:t>1</a:t>
+            </a:r>
+            <a:r>
+              <a:rPr lang="en-US" altLang="en-US" sz="1400" dirty="0">
+                <a:solidFill>
+                  <a:srgbClr val="666600"/>
+                </a:solidFill>
+                <a:latin typeface="SFMono-Regular"/>
+              </a:rPr>
+              <a:t>,</a:t>
+            </a:r>
+            <a:r>
+              <a:rPr lang="en-US" altLang="en-US" sz="1400" dirty="0">
+                <a:solidFill>
+                  <a:srgbClr val="383A42"/>
+                </a:solidFill>
+                <a:latin typeface="SFMono-Regular"/>
+              </a:rPr>
+              <a:t> </a:t>
+            </a:r>
+            <a:r>
+              <a:rPr lang="en-US" altLang="en-US" sz="1400" dirty="0" err="1">
+                <a:solidFill>
+                  <a:srgbClr val="383A42"/>
+                </a:solidFill>
+                <a:latin typeface="SFMono-Regular"/>
+              </a:rPr>
+              <a:t>out_channels</a:t>
+            </a:r>
+            <a:r>
+              <a:rPr lang="en-US" altLang="en-US" sz="1400" dirty="0">
+                <a:solidFill>
+                  <a:srgbClr val="666600"/>
+                </a:solidFill>
+                <a:latin typeface="SFMono-Regular"/>
+              </a:rPr>
+              <a:t>=</a:t>
+            </a:r>
+            <a:r>
+              <a:rPr lang="en-US" altLang="en-US" sz="1400" dirty="0">
+                <a:solidFill>
+                  <a:srgbClr val="006666"/>
+                </a:solidFill>
+                <a:latin typeface="SFMono-Regular"/>
+              </a:rPr>
+              <a:t>6</a:t>
+            </a:r>
+            <a:r>
+              <a:rPr lang="en-US" altLang="en-US" sz="1400" dirty="0">
+                <a:solidFill>
+                  <a:srgbClr val="666600"/>
+                </a:solidFill>
+                <a:latin typeface="SFMono-Regular"/>
+              </a:rPr>
+              <a:t>,</a:t>
+            </a:r>
+            <a:r>
+              <a:rPr lang="en-US" altLang="en-US" sz="1400" dirty="0">
+                <a:solidFill>
+                  <a:srgbClr val="383A42"/>
+                </a:solidFill>
+                <a:latin typeface="SFMono-Regular"/>
+              </a:rPr>
+              <a:t> </a:t>
+            </a:r>
+            <a:r>
+              <a:rPr lang="en-US" altLang="en-US" sz="1400" dirty="0" err="1">
+                <a:solidFill>
+                  <a:srgbClr val="383A42"/>
+                </a:solidFill>
+                <a:latin typeface="SFMono-Regular"/>
+              </a:rPr>
+              <a:t>kernel_size</a:t>
+            </a:r>
+            <a:r>
+              <a:rPr lang="en-US" altLang="en-US" sz="1400" dirty="0">
+                <a:solidFill>
+                  <a:srgbClr val="666600"/>
+                </a:solidFill>
+                <a:latin typeface="SFMono-Regular"/>
+              </a:rPr>
+              <a:t>=</a:t>
+            </a:r>
+            <a:r>
+              <a:rPr lang="en-US" altLang="en-US" sz="1400" dirty="0">
+                <a:solidFill>
+                  <a:srgbClr val="006666"/>
+                </a:solidFill>
+                <a:latin typeface="SFMono-Regular"/>
+              </a:rPr>
+              <a:t>5</a:t>
+            </a:r>
+            <a:r>
+              <a:rPr lang="en-US" altLang="en-US" sz="1400" dirty="0">
+                <a:solidFill>
+                  <a:srgbClr val="666600"/>
+                </a:solidFill>
+                <a:latin typeface="SFMono-Regular"/>
+              </a:rPr>
+              <a:t>)</a:t>
+            </a:r>
+            <a:r>
+              <a:rPr lang="en-US" altLang="en-US" sz="1400" dirty="0">
+                <a:solidFill>
+                  <a:srgbClr val="383A42"/>
+                </a:solidFill>
+                <a:latin typeface="SFMono-Regular"/>
+              </a:rPr>
+              <a:t> </a:t>
+            </a:r>
+          </a:p>
+          <a:p>
+            <a:pPr lvl="0" eaLnBrk="0" fontAlgn="base" hangingPunct="0">
+              <a:spcBef>
+                <a:spcPct val="0"/>
+              </a:spcBef>
+              <a:spcAft>
+                <a:spcPct val="0"/>
+              </a:spcAft>
+            </a:pPr>
+            <a:r>
+              <a:rPr lang="en-US" altLang="en-US" sz="1400" dirty="0">
+                <a:solidFill>
+                  <a:srgbClr val="383A42"/>
+                </a:solidFill>
+                <a:latin typeface="SFMono-Regular"/>
+              </a:rPr>
+              <a:t>        </a:t>
+            </a:r>
+            <a:r>
+              <a:rPr lang="en-US" altLang="en-US" sz="1400" dirty="0">
+                <a:solidFill>
+                  <a:srgbClr val="A626A4"/>
+                </a:solidFill>
+                <a:latin typeface="SFMono-Regular"/>
+              </a:rPr>
+              <a:t>self</a:t>
+            </a:r>
+            <a:r>
+              <a:rPr lang="en-US" altLang="en-US" sz="1400" dirty="0">
+                <a:solidFill>
+                  <a:srgbClr val="666600"/>
+                </a:solidFill>
+                <a:latin typeface="SFMono-Regular"/>
+              </a:rPr>
+              <a:t>.</a:t>
+            </a:r>
+            <a:r>
+              <a:rPr lang="en-US" altLang="en-US" sz="1400" dirty="0">
+                <a:solidFill>
+                  <a:srgbClr val="383A42"/>
+                </a:solidFill>
+                <a:latin typeface="SFMono-Regular"/>
+              </a:rPr>
+              <a:t>conv2 </a:t>
+            </a:r>
+            <a:r>
+              <a:rPr lang="en-US" altLang="en-US" sz="1400" dirty="0">
+                <a:solidFill>
+                  <a:srgbClr val="666600"/>
+                </a:solidFill>
+                <a:latin typeface="SFMono-Regular"/>
+              </a:rPr>
+              <a:t>=</a:t>
+            </a:r>
+            <a:r>
+              <a:rPr lang="en-US" altLang="en-US" sz="1400" dirty="0">
+                <a:solidFill>
+                  <a:srgbClr val="383A42"/>
+                </a:solidFill>
+                <a:latin typeface="SFMono-Regular"/>
+              </a:rPr>
+              <a:t> nn</a:t>
+            </a:r>
+            <a:r>
+              <a:rPr lang="en-US" altLang="en-US" sz="1400" dirty="0">
+                <a:solidFill>
+                  <a:srgbClr val="666600"/>
+                </a:solidFill>
+                <a:latin typeface="SFMono-Regular"/>
+              </a:rPr>
+              <a:t>.</a:t>
+            </a:r>
+            <a:r>
+              <a:rPr lang="en-US" altLang="en-US" sz="1400" dirty="0">
+                <a:solidFill>
+                  <a:srgbClr val="C18401"/>
+                </a:solidFill>
+                <a:latin typeface="SFMono-Regular"/>
+              </a:rPr>
+              <a:t>Conv2d</a:t>
+            </a:r>
+            <a:r>
+              <a:rPr lang="en-US" altLang="en-US" sz="1400" dirty="0">
+                <a:solidFill>
+                  <a:srgbClr val="666600"/>
+                </a:solidFill>
+                <a:latin typeface="SFMono-Regular"/>
+              </a:rPr>
+              <a:t>(</a:t>
+            </a:r>
+            <a:r>
+              <a:rPr lang="en-US" altLang="en-US" sz="1400" dirty="0" err="1">
+                <a:solidFill>
+                  <a:srgbClr val="383A42"/>
+                </a:solidFill>
+                <a:latin typeface="SFMono-Regular"/>
+              </a:rPr>
+              <a:t>in_channels</a:t>
+            </a:r>
+            <a:r>
+              <a:rPr lang="en-US" altLang="en-US" sz="1400" dirty="0">
+                <a:solidFill>
+                  <a:srgbClr val="666600"/>
+                </a:solidFill>
+                <a:latin typeface="SFMono-Regular"/>
+              </a:rPr>
+              <a:t>=</a:t>
+            </a:r>
+            <a:r>
+              <a:rPr lang="en-US" altLang="en-US" sz="1400" dirty="0">
+                <a:solidFill>
+                  <a:srgbClr val="006666"/>
+                </a:solidFill>
+                <a:latin typeface="SFMono-Regular"/>
+              </a:rPr>
+              <a:t>6</a:t>
+            </a:r>
+            <a:r>
+              <a:rPr lang="en-US" altLang="en-US" sz="1400" dirty="0">
+                <a:solidFill>
+                  <a:srgbClr val="666600"/>
+                </a:solidFill>
+                <a:latin typeface="SFMono-Regular"/>
+              </a:rPr>
+              <a:t>,</a:t>
+            </a:r>
+            <a:r>
+              <a:rPr lang="en-US" altLang="en-US" sz="1400" dirty="0">
+                <a:solidFill>
+                  <a:srgbClr val="383A42"/>
+                </a:solidFill>
+                <a:latin typeface="SFMono-Regular"/>
+              </a:rPr>
+              <a:t> </a:t>
+            </a:r>
+            <a:r>
+              <a:rPr lang="en-US" altLang="en-US" sz="1400" dirty="0" err="1">
+                <a:solidFill>
+                  <a:srgbClr val="383A42"/>
+                </a:solidFill>
+                <a:latin typeface="SFMono-Regular"/>
+              </a:rPr>
+              <a:t>out_channels</a:t>
+            </a:r>
+            <a:r>
+              <a:rPr lang="en-US" altLang="en-US" sz="1400" dirty="0">
+                <a:solidFill>
+                  <a:srgbClr val="666600"/>
+                </a:solidFill>
+                <a:latin typeface="SFMono-Regular"/>
+              </a:rPr>
+              <a:t>=</a:t>
+            </a:r>
+            <a:r>
+              <a:rPr lang="en-US" altLang="en-US" sz="1400" dirty="0">
+                <a:solidFill>
+                  <a:srgbClr val="006666"/>
+                </a:solidFill>
+                <a:latin typeface="SFMono-Regular"/>
+              </a:rPr>
+              <a:t>12</a:t>
+            </a:r>
+            <a:r>
+              <a:rPr lang="en-US" altLang="en-US" sz="1400" dirty="0">
+                <a:solidFill>
+                  <a:srgbClr val="666600"/>
+                </a:solidFill>
+                <a:latin typeface="SFMono-Regular"/>
+              </a:rPr>
+              <a:t>,</a:t>
+            </a:r>
+            <a:r>
+              <a:rPr lang="en-US" altLang="en-US" sz="1400" dirty="0">
+                <a:solidFill>
+                  <a:srgbClr val="383A42"/>
+                </a:solidFill>
+                <a:latin typeface="SFMono-Regular"/>
+              </a:rPr>
+              <a:t> </a:t>
+            </a:r>
+            <a:r>
+              <a:rPr lang="en-US" altLang="en-US" sz="1400" dirty="0" err="1">
+                <a:solidFill>
+                  <a:srgbClr val="383A42"/>
+                </a:solidFill>
+                <a:latin typeface="SFMono-Regular"/>
+              </a:rPr>
+              <a:t>kernel_size</a:t>
+            </a:r>
+            <a:r>
+              <a:rPr lang="en-US" altLang="en-US" sz="1400" dirty="0">
+                <a:solidFill>
+                  <a:srgbClr val="666600"/>
+                </a:solidFill>
+                <a:latin typeface="SFMono-Regular"/>
+              </a:rPr>
+              <a:t>=</a:t>
+            </a:r>
+            <a:r>
+              <a:rPr lang="en-US" altLang="en-US" sz="1400" dirty="0">
+                <a:solidFill>
+                  <a:srgbClr val="006666"/>
+                </a:solidFill>
+                <a:latin typeface="SFMono-Regular"/>
+              </a:rPr>
+              <a:t>5</a:t>
+            </a:r>
+            <a:r>
+              <a:rPr lang="en-US" altLang="en-US" sz="1400" dirty="0">
+                <a:solidFill>
+                  <a:srgbClr val="666600"/>
+                </a:solidFill>
+                <a:latin typeface="SFMono-Regular"/>
+              </a:rPr>
+              <a:t>)</a:t>
+            </a:r>
+          </a:p>
+          <a:p>
+            <a:pPr lvl="0" eaLnBrk="0" fontAlgn="base" hangingPunct="0">
+              <a:spcBef>
+                <a:spcPct val="0"/>
+              </a:spcBef>
+              <a:spcAft>
+                <a:spcPct val="0"/>
+              </a:spcAft>
+            </a:pPr>
+            <a:r>
+              <a:rPr lang="en-US" altLang="en-US" sz="1400" dirty="0">
+                <a:solidFill>
+                  <a:srgbClr val="383A42"/>
+                </a:solidFill>
+                <a:latin typeface="SFMono-Regular"/>
+              </a:rPr>
+              <a:t> </a:t>
+            </a:r>
+          </a:p>
+          <a:p>
+            <a:pPr lvl="0" eaLnBrk="0" fontAlgn="base" hangingPunct="0">
+              <a:spcBef>
+                <a:spcPct val="0"/>
+              </a:spcBef>
+              <a:spcAft>
+                <a:spcPct val="0"/>
+              </a:spcAft>
+            </a:pPr>
+            <a:r>
+              <a:rPr lang="en-US" altLang="en-US" sz="1400" dirty="0">
+                <a:solidFill>
+                  <a:srgbClr val="383A42"/>
+                </a:solidFill>
+                <a:latin typeface="SFMono-Regular"/>
+              </a:rPr>
+              <a:t>        </a:t>
+            </a:r>
+            <a:r>
+              <a:rPr lang="en-US" altLang="en-US" sz="1400" dirty="0">
+                <a:solidFill>
+                  <a:srgbClr val="A626A4"/>
+                </a:solidFill>
+                <a:latin typeface="SFMono-Regular"/>
+              </a:rPr>
+              <a:t>self</a:t>
+            </a:r>
+            <a:r>
+              <a:rPr lang="en-US" altLang="en-US" sz="1400" dirty="0">
+                <a:solidFill>
+                  <a:srgbClr val="666600"/>
+                </a:solidFill>
+                <a:latin typeface="SFMono-Regular"/>
+              </a:rPr>
+              <a:t>.</a:t>
+            </a:r>
+            <a:r>
+              <a:rPr lang="en-US" altLang="en-US" sz="1400" dirty="0">
+                <a:solidFill>
+                  <a:srgbClr val="383A42"/>
+                </a:solidFill>
+                <a:latin typeface="SFMono-Regular"/>
+              </a:rPr>
+              <a:t>fc1 </a:t>
+            </a:r>
+            <a:r>
+              <a:rPr lang="en-US" altLang="en-US" sz="1400" dirty="0">
+                <a:solidFill>
+                  <a:srgbClr val="666600"/>
+                </a:solidFill>
+                <a:latin typeface="SFMono-Regular"/>
+              </a:rPr>
+              <a:t>=</a:t>
+            </a:r>
+            <a:r>
+              <a:rPr lang="en-US" altLang="en-US" sz="1400" dirty="0">
+                <a:solidFill>
+                  <a:srgbClr val="383A42"/>
+                </a:solidFill>
+                <a:latin typeface="SFMono-Regular"/>
+              </a:rPr>
+              <a:t> </a:t>
+            </a:r>
+            <a:r>
+              <a:rPr lang="en-US" altLang="en-US" sz="1400" dirty="0" err="1">
+                <a:solidFill>
+                  <a:srgbClr val="383A42"/>
+                </a:solidFill>
+                <a:latin typeface="SFMono-Regular"/>
+              </a:rPr>
+              <a:t>nn</a:t>
+            </a:r>
+            <a:r>
+              <a:rPr lang="en-US" altLang="en-US" sz="1400" dirty="0" err="1">
+                <a:solidFill>
+                  <a:srgbClr val="666600"/>
+                </a:solidFill>
+                <a:latin typeface="SFMono-Regular"/>
+              </a:rPr>
+              <a:t>.</a:t>
+            </a:r>
+            <a:r>
+              <a:rPr lang="en-US" altLang="en-US" sz="1400" dirty="0" err="1">
+                <a:solidFill>
+                  <a:srgbClr val="C18401"/>
+                </a:solidFill>
+                <a:latin typeface="SFMono-Regular"/>
+              </a:rPr>
+              <a:t>Linear</a:t>
+            </a:r>
+            <a:r>
+              <a:rPr lang="en-US" altLang="en-US" sz="1400" dirty="0">
+                <a:solidFill>
+                  <a:srgbClr val="666600"/>
+                </a:solidFill>
+                <a:latin typeface="SFMono-Regular"/>
+              </a:rPr>
+              <a:t>(</a:t>
+            </a:r>
+            <a:r>
+              <a:rPr lang="en-US" altLang="en-US" sz="1400" dirty="0" err="1">
+                <a:solidFill>
+                  <a:srgbClr val="383A42"/>
+                </a:solidFill>
+                <a:latin typeface="SFMono-Regular"/>
+              </a:rPr>
+              <a:t>in_features</a:t>
+            </a:r>
+            <a:r>
+              <a:rPr lang="en-US" altLang="en-US" sz="1400" dirty="0">
+                <a:solidFill>
+                  <a:srgbClr val="666600"/>
+                </a:solidFill>
+                <a:latin typeface="SFMono-Regular"/>
+              </a:rPr>
+              <a:t>=</a:t>
+            </a:r>
+            <a:r>
+              <a:rPr lang="en-US" altLang="en-US" sz="1400" dirty="0">
+                <a:solidFill>
+                  <a:srgbClr val="006666"/>
+                </a:solidFill>
+                <a:latin typeface="SFMono-Regular"/>
+              </a:rPr>
+              <a:t>12</a:t>
+            </a:r>
+            <a:r>
+              <a:rPr lang="en-US" altLang="en-US" sz="1400" dirty="0">
+                <a:solidFill>
+                  <a:srgbClr val="383A42"/>
+                </a:solidFill>
+                <a:latin typeface="SFMono-Regular"/>
+              </a:rPr>
+              <a:t> </a:t>
+            </a:r>
+            <a:r>
+              <a:rPr lang="en-US" altLang="en-US" sz="1400" dirty="0">
+                <a:solidFill>
+                  <a:srgbClr val="666600"/>
+                </a:solidFill>
+                <a:latin typeface="SFMono-Regular"/>
+              </a:rPr>
+              <a:t>*</a:t>
+            </a:r>
+            <a:r>
+              <a:rPr lang="en-US" altLang="en-US" sz="1400" dirty="0">
+                <a:solidFill>
+                  <a:srgbClr val="383A42"/>
+                </a:solidFill>
+                <a:latin typeface="SFMono-Regular"/>
+              </a:rPr>
+              <a:t> </a:t>
+            </a:r>
+            <a:r>
+              <a:rPr lang="en-US" altLang="en-US" sz="1400" dirty="0">
+                <a:solidFill>
+                  <a:srgbClr val="006666"/>
+                </a:solidFill>
+                <a:latin typeface="SFMono-Regular"/>
+              </a:rPr>
+              <a:t>4</a:t>
+            </a:r>
+            <a:r>
+              <a:rPr lang="en-US" altLang="en-US" sz="1400" dirty="0">
+                <a:solidFill>
+                  <a:srgbClr val="383A42"/>
+                </a:solidFill>
+                <a:latin typeface="SFMono-Regular"/>
+              </a:rPr>
+              <a:t> </a:t>
+            </a:r>
+            <a:r>
+              <a:rPr lang="en-US" altLang="en-US" sz="1400" dirty="0">
+                <a:solidFill>
+                  <a:srgbClr val="666600"/>
+                </a:solidFill>
+                <a:latin typeface="SFMono-Regular"/>
+              </a:rPr>
+              <a:t>*</a:t>
+            </a:r>
+            <a:r>
+              <a:rPr lang="en-US" altLang="en-US" sz="1400" dirty="0">
+                <a:solidFill>
+                  <a:srgbClr val="383A42"/>
+                </a:solidFill>
+                <a:latin typeface="SFMono-Regular"/>
+              </a:rPr>
+              <a:t> </a:t>
+            </a:r>
+            <a:r>
+              <a:rPr lang="en-US" altLang="en-US" sz="1400" dirty="0">
+                <a:solidFill>
+                  <a:srgbClr val="006666"/>
+                </a:solidFill>
+                <a:latin typeface="SFMono-Regular"/>
+              </a:rPr>
+              <a:t>4</a:t>
+            </a:r>
+            <a:r>
+              <a:rPr lang="en-US" altLang="en-US" sz="1400" dirty="0">
+                <a:solidFill>
+                  <a:srgbClr val="666600"/>
+                </a:solidFill>
+                <a:latin typeface="SFMono-Regular"/>
+              </a:rPr>
+              <a:t>,</a:t>
+            </a:r>
+            <a:r>
+              <a:rPr lang="en-US" altLang="en-US" sz="1400" dirty="0">
+                <a:solidFill>
+                  <a:srgbClr val="383A42"/>
+                </a:solidFill>
+                <a:latin typeface="SFMono-Regular"/>
+              </a:rPr>
+              <a:t> </a:t>
+            </a:r>
+            <a:r>
+              <a:rPr lang="en-US" altLang="en-US" sz="1400" dirty="0" err="1">
+                <a:solidFill>
+                  <a:srgbClr val="383A42"/>
+                </a:solidFill>
+                <a:latin typeface="SFMono-Regular"/>
+              </a:rPr>
+              <a:t>out_features</a:t>
+            </a:r>
+            <a:r>
+              <a:rPr lang="en-US" altLang="en-US" sz="1400" dirty="0">
+                <a:solidFill>
+                  <a:srgbClr val="666600"/>
+                </a:solidFill>
+                <a:latin typeface="SFMono-Regular"/>
+              </a:rPr>
+              <a:t>=</a:t>
+            </a:r>
+            <a:r>
+              <a:rPr lang="en-US" altLang="en-US" sz="1400" dirty="0">
+                <a:solidFill>
+                  <a:srgbClr val="006666"/>
+                </a:solidFill>
+                <a:latin typeface="SFMono-Regular"/>
+              </a:rPr>
+              <a:t>120</a:t>
+            </a:r>
+            <a:r>
+              <a:rPr lang="en-US" altLang="en-US" sz="1400" dirty="0">
+                <a:solidFill>
+                  <a:srgbClr val="666600"/>
+                </a:solidFill>
+                <a:latin typeface="SFMono-Regular"/>
+              </a:rPr>
+              <a:t>)</a:t>
+            </a:r>
+            <a:r>
+              <a:rPr lang="en-US" altLang="en-US" sz="1400" dirty="0">
+                <a:solidFill>
+                  <a:srgbClr val="383A42"/>
+                </a:solidFill>
+                <a:latin typeface="SFMono-Regular"/>
+              </a:rPr>
+              <a:t> </a:t>
+            </a:r>
+          </a:p>
+          <a:p>
+            <a:pPr lvl="0" eaLnBrk="0" fontAlgn="base" hangingPunct="0">
+              <a:spcBef>
+                <a:spcPct val="0"/>
+              </a:spcBef>
+              <a:spcAft>
+                <a:spcPct val="0"/>
+              </a:spcAft>
+            </a:pPr>
+            <a:r>
+              <a:rPr lang="en-US" altLang="en-US" sz="1400" dirty="0">
+                <a:solidFill>
+                  <a:srgbClr val="383A42"/>
+                </a:solidFill>
+                <a:latin typeface="SFMono-Regular"/>
+              </a:rPr>
+              <a:t>        </a:t>
+            </a:r>
+            <a:r>
+              <a:rPr lang="en-US" altLang="en-US" sz="1400" dirty="0">
+                <a:solidFill>
+                  <a:srgbClr val="A626A4"/>
+                </a:solidFill>
+                <a:latin typeface="SFMono-Regular"/>
+              </a:rPr>
+              <a:t>self</a:t>
+            </a:r>
+            <a:r>
+              <a:rPr lang="en-US" altLang="en-US" sz="1400" dirty="0">
+                <a:solidFill>
+                  <a:srgbClr val="666600"/>
+                </a:solidFill>
+                <a:latin typeface="SFMono-Regular"/>
+              </a:rPr>
+              <a:t>.</a:t>
+            </a:r>
+            <a:r>
+              <a:rPr lang="en-US" altLang="en-US" sz="1400" dirty="0">
+                <a:solidFill>
+                  <a:srgbClr val="383A42"/>
+                </a:solidFill>
+                <a:latin typeface="SFMono-Regular"/>
+              </a:rPr>
+              <a:t>fc2 </a:t>
+            </a:r>
+            <a:r>
+              <a:rPr lang="en-US" altLang="en-US" sz="1400" dirty="0">
+                <a:solidFill>
+                  <a:srgbClr val="666600"/>
+                </a:solidFill>
+                <a:latin typeface="SFMono-Regular"/>
+              </a:rPr>
+              <a:t>=</a:t>
+            </a:r>
+            <a:r>
+              <a:rPr lang="en-US" altLang="en-US" sz="1400" dirty="0">
+                <a:solidFill>
+                  <a:srgbClr val="383A42"/>
+                </a:solidFill>
+                <a:latin typeface="SFMono-Regular"/>
+              </a:rPr>
+              <a:t> </a:t>
+            </a:r>
+            <a:r>
+              <a:rPr lang="en-US" altLang="en-US" sz="1400" dirty="0" err="1">
+                <a:solidFill>
+                  <a:srgbClr val="383A42"/>
+                </a:solidFill>
+                <a:latin typeface="SFMono-Regular"/>
+              </a:rPr>
+              <a:t>nn</a:t>
+            </a:r>
+            <a:r>
+              <a:rPr lang="en-US" altLang="en-US" sz="1400" dirty="0" err="1">
+                <a:solidFill>
+                  <a:srgbClr val="666600"/>
+                </a:solidFill>
+                <a:latin typeface="SFMono-Regular"/>
+              </a:rPr>
+              <a:t>.</a:t>
+            </a:r>
+            <a:r>
+              <a:rPr lang="en-US" altLang="en-US" sz="1400" dirty="0" err="1">
+                <a:solidFill>
+                  <a:srgbClr val="C18401"/>
+                </a:solidFill>
+                <a:latin typeface="SFMono-Regular"/>
+              </a:rPr>
+              <a:t>Linear</a:t>
+            </a:r>
+            <a:r>
+              <a:rPr lang="en-US" altLang="en-US" sz="1400" dirty="0">
+                <a:solidFill>
+                  <a:srgbClr val="666600"/>
+                </a:solidFill>
+                <a:latin typeface="SFMono-Regular"/>
+              </a:rPr>
+              <a:t>(</a:t>
+            </a:r>
+            <a:r>
+              <a:rPr lang="en-US" altLang="en-US" sz="1400" dirty="0" err="1">
+                <a:solidFill>
+                  <a:srgbClr val="383A42"/>
+                </a:solidFill>
+                <a:latin typeface="SFMono-Regular"/>
+              </a:rPr>
+              <a:t>in_features</a:t>
+            </a:r>
+            <a:r>
+              <a:rPr lang="en-US" altLang="en-US" sz="1400" dirty="0">
+                <a:solidFill>
+                  <a:srgbClr val="666600"/>
+                </a:solidFill>
+                <a:latin typeface="SFMono-Regular"/>
+              </a:rPr>
+              <a:t>=</a:t>
+            </a:r>
+            <a:r>
+              <a:rPr lang="en-US" altLang="en-US" sz="1400" dirty="0">
+                <a:solidFill>
+                  <a:srgbClr val="006666"/>
+                </a:solidFill>
+                <a:latin typeface="SFMono-Regular"/>
+              </a:rPr>
+              <a:t>120</a:t>
+            </a:r>
+            <a:r>
+              <a:rPr lang="en-US" altLang="en-US" sz="1400" dirty="0">
+                <a:solidFill>
+                  <a:srgbClr val="666600"/>
+                </a:solidFill>
+                <a:latin typeface="SFMono-Regular"/>
+              </a:rPr>
+              <a:t>,</a:t>
+            </a:r>
+            <a:r>
+              <a:rPr lang="en-US" altLang="en-US" sz="1400" dirty="0">
+                <a:solidFill>
+                  <a:srgbClr val="383A42"/>
+                </a:solidFill>
+                <a:latin typeface="SFMono-Regular"/>
+              </a:rPr>
+              <a:t> </a:t>
+            </a:r>
+            <a:r>
+              <a:rPr lang="en-US" altLang="en-US" sz="1400" dirty="0" err="1">
+                <a:solidFill>
+                  <a:srgbClr val="383A42"/>
+                </a:solidFill>
+                <a:latin typeface="SFMono-Regular"/>
+              </a:rPr>
+              <a:t>out_features</a:t>
+            </a:r>
+            <a:r>
+              <a:rPr lang="en-US" altLang="en-US" sz="1400" dirty="0">
+                <a:solidFill>
+                  <a:srgbClr val="666600"/>
+                </a:solidFill>
+                <a:latin typeface="SFMono-Regular"/>
+              </a:rPr>
+              <a:t>=</a:t>
+            </a:r>
+            <a:r>
+              <a:rPr lang="en-US" altLang="en-US" sz="1400" dirty="0">
+                <a:solidFill>
+                  <a:srgbClr val="006666"/>
+                </a:solidFill>
+                <a:latin typeface="SFMono-Regular"/>
+              </a:rPr>
+              <a:t>60</a:t>
+            </a:r>
+            <a:r>
+              <a:rPr lang="en-US" altLang="en-US" sz="1400" dirty="0">
+                <a:solidFill>
+                  <a:srgbClr val="666600"/>
+                </a:solidFill>
+                <a:latin typeface="SFMono-Regular"/>
+              </a:rPr>
+              <a:t>)</a:t>
+            </a:r>
+            <a:r>
+              <a:rPr lang="en-US" altLang="en-US" sz="1400" dirty="0">
+                <a:solidFill>
+                  <a:srgbClr val="383A42"/>
+                </a:solidFill>
+                <a:latin typeface="SFMono-Regular"/>
+              </a:rPr>
+              <a:t> </a:t>
+            </a:r>
+          </a:p>
+          <a:p>
+            <a:pPr lvl="0" eaLnBrk="0" fontAlgn="base" hangingPunct="0">
+              <a:spcBef>
+                <a:spcPct val="0"/>
+              </a:spcBef>
+              <a:spcAft>
+                <a:spcPct val="0"/>
+              </a:spcAft>
+            </a:pPr>
+            <a:r>
+              <a:rPr lang="en-US" altLang="en-US" sz="1400" dirty="0">
+                <a:solidFill>
+                  <a:srgbClr val="383A42"/>
+                </a:solidFill>
+                <a:latin typeface="SFMono-Regular"/>
+              </a:rPr>
+              <a:t>        </a:t>
+            </a:r>
+            <a:r>
+              <a:rPr lang="en-US" altLang="en-US" sz="1400" dirty="0" err="1">
+                <a:solidFill>
+                  <a:srgbClr val="A626A4"/>
+                </a:solidFill>
+                <a:latin typeface="SFMono-Regular"/>
+              </a:rPr>
+              <a:t>self</a:t>
+            </a:r>
+            <a:r>
+              <a:rPr lang="en-US" altLang="en-US" sz="1400" dirty="0" err="1">
+                <a:solidFill>
+                  <a:srgbClr val="666600"/>
+                </a:solidFill>
+                <a:latin typeface="SFMono-Regular"/>
+              </a:rPr>
+              <a:t>.</a:t>
+            </a:r>
+            <a:r>
+              <a:rPr lang="en-US" altLang="en-US" sz="1400" dirty="0" err="1">
+                <a:solidFill>
+                  <a:srgbClr val="A626A4"/>
+                </a:solidFill>
+                <a:latin typeface="SFMono-Regular"/>
+              </a:rPr>
+              <a:t>out</a:t>
+            </a:r>
+            <a:r>
+              <a:rPr lang="en-US" altLang="en-US" sz="1400" dirty="0">
+                <a:solidFill>
+                  <a:srgbClr val="383A42"/>
+                </a:solidFill>
+                <a:latin typeface="SFMono-Regular"/>
+              </a:rPr>
+              <a:t> </a:t>
+            </a:r>
+            <a:r>
+              <a:rPr lang="en-US" altLang="en-US" sz="1400" dirty="0">
+                <a:solidFill>
+                  <a:srgbClr val="666600"/>
+                </a:solidFill>
+                <a:latin typeface="SFMono-Regular"/>
+              </a:rPr>
+              <a:t>=</a:t>
+            </a:r>
+            <a:r>
+              <a:rPr lang="en-US" altLang="en-US" sz="1400" dirty="0">
+                <a:solidFill>
+                  <a:srgbClr val="383A42"/>
+                </a:solidFill>
+                <a:latin typeface="SFMono-Regular"/>
+              </a:rPr>
+              <a:t> </a:t>
+            </a:r>
+            <a:r>
+              <a:rPr lang="en-US" altLang="en-US" sz="1400" dirty="0" err="1">
+                <a:solidFill>
+                  <a:srgbClr val="383A42"/>
+                </a:solidFill>
+                <a:latin typeface="SFMono-Regular"/>
+              </a:rPr>
+              <a:t>nn</a:t>
+            </a:r>
+            <a:r>
+              <a:rPr lang="en-US" altLang="en-US" sz="1400" dirty="0" err="1">
+                <a:solidFill>
+                  <a:srgbClr val="666600"/>
+                </a:solidFill>
+                <a:latin typeface="SFMono-Regular"/>
+              </a:rPr>
+              <a:t>.</a:t>
+            </a:r>
+            <a:r>
+              <a:rPr lang="en-US" altLang="en-US" sz="1400" dirty="0" err="1">
+                <a:solidFill>
+                  <a:srgbClr val="C18401"/>
+                </a:solidFill>
+                <a:latin typeface="SFMono-Regular"/>
+              </a:rPr>
+              <a:t>Linear</a:t>
+            </a:r>
+            <a:r>
+              <a:rPr lang="en-US" altLang="en-US" sz="1400" dirty="0">
+                <a:solidFill>
+                  <a:srgbClr val="666600"/>
+                </a:solidFill>
+                <a:latin typeface="SFMono-Regular"/>
+              </a:rPr>
+              <a:t>(</a:t>
+            </a:r>
+            <a:r>
+              <a:rPr lang="en-US" altLang="en-US" sz="1400" dirty="0" err="1">
+                <a:solidFill>
+                  <a:srgbClr val="383A42"/>
+                </a:solidFill>
+                <a:latin typeface="SFMono-Regular"/>
+              </a:rPr>
+              <a:t>in_features</a:t>
+            </a:r>
+            <a:r>
+              <a:rPr lang="en-US" altLang="en-US" sz="1400" dirty="0">
+                <a:solidFill>
+                  <a:srgbClr val="666600"/>
+                </a:solidFill>
+                <a:latin typeface="SFMono-Regular"/>
+              </a:rPr>
+              <a:t>=</a:t>
+            </a:r>
+            <a:r>
+              <a:rPr lang="en-US" altLang="en-US" sz="1400" dirty="0">
+                <a:solidFill>
+                  <a:srgbClr val="006666"/>
+                </a:solidFill>
+                <a:latin typeface="SFMono-Regular"/>
+              </a:rPr>
+              <a:t>60</a:t>
+            </a:r>
+            <a:r>
+              <a:rPr lang="en-US" altLang="en-US" sz="1400" dirty="0">
+                <a:solidFill>
+                  <a:srgbClr val="666600"/>
+                </a:solidFill>
+                <a:latin typeface="SFMono-Regular"/>
+              </a:rPr>
+              <a:t>,</a:t>
+            </a:r>
+            <a:r>
+              <a:rPr lang="en-US" altLang="en-US" sz="1400" dirty="0">
+                <a:solidFill>
+                  <a:srgbClr val="383A42"/>
+                </a:solidFill>
+                <a:latin typeface="SFMono-Regular"/>
+              </a:rPr>
+              <a:t> </a:t>
+            </a:r>
+            <a:r>
+              <a:rPr lang="en-US" altLang="en-US" sz="1400" dirty="0" err="1">
+                <a:solidFill>
+                  <a:srgbClr val="383A42"/>
+                </a:solidFill>
+                <a:latin typeface="SFMono-Regular"/>
+              </a:rPr>
+              <a:t>out_features</a:t>
+            </a:r>
+            <a:r>
+              <a:rPr lang="en-US" altLang="en-US" sz="1400" dirty="0">
+                <a:solidFill>
+                  <a:srgbClr val="666600"/>
+                </a:solidFill>
+                <a:latin typeface="SFMono-Regular"/>
+              </a:rPr>
+              <a:t>=</a:t>
+            </a:r>
+            <a:r>
+              <a:rPr lang="en-US" altLang="en-US" sz="1400" dirty="0">
+                <a:solidFill>
+                  <a:srgbClr val="006666"/>
+                </a:solidFill>
+                <a:latin typeface="SFMono-Regular"/>
+              </a:rPr>
+              <a:t>10</a:t>
+            </a:r>
+            <a:r>
+              <a:rPr lang="en-US" altLang="en-US" sz="1400" dirty="0">
+                <a:solidFill>
+                  <a:srgbClr val="666600"/>
+                </a:solidFill>
+                <a:latin typeface="SFMono-Regular"/>
+              </a:rPr>
+              <a:t>)</a:t>
+            </a:r>
+            <a:r>
+              <a:rPr lang="en-US" altLang="en-US" sz="1400" dirty="0">
+                <a:solidFill>
+                  <a:srgbClr val="383A42"/>
+                </a:solidFill>
+                <a:latin typeface="SFMono-Regular"/>
+              </a:rPr>
+              <a:t> </a:t>
+            </a:r>
+          </a:p>
+          <a:p>
+            <a:pPr lvl="0" eaLnBrk="0" fontAlgn="base" hangingPunct="0">
+              <a:spcBef>
+                <a:spcPct val="0"/>
+              </a:spcBef>
+              <a:spcAft>
+                <a:spcPct val="0"/>
+              </a:spcAft>
+            </a:pPr>
+            <a:endParaRPr lang="en-US" altLang="en-US" sz="1400" dirty="0">
+              <a:solidFill>
+                <a:srgbClr val="383A42"/>
+              </a:solidFill>
+              <a:latin typeface="SFMono-Regular"/>
+            </a:endParaRPr>
+          </a:p>
+          <a:p>
+            <a:pPr lvl="0" eaLnBrk="0" fontAlgn="base" hangingPunct="0">
+              <a:spcBef>
+                <a:spcPct val="0"/>
+              </a:spcBef>
+              <a:spcAft>
+                <a:spcPct val="0"/>
+              </a:spcAft>
+            </a:pPr>
+            <a:r>
+              <a:rPr lang="en-US" altLang="en-US" sz="1400" dirty="0">
+                <a:solidFill>
+                  <a:srgbClr val="383A42"/>
+                </a:solidFill>
+                <a:latin typeface="SFMono-Regular"/>
+              </a:rPr>
+              <a:t>   </a:t>
+            </a:r>
+            <a:r>
+              <a:rPr lang="en-US" altLang="en-US" sz="1400" dirty="0">
+                <a:solidFill>
+                  <a:srgbClr val="A626A4"/>
+                </a:solidFill>
+                <a:latin typeface="SFMono-Regular"/>
+              </a:rPr>
+              <a:t>def</a:t>
+            </a:r>
+            <a:r>
+              <a:rPr lang="en-US" altLang="en-US" sz="1400" dirty="0">
+                <a:solidFill>
+                  <a:srgbClr val="383A42"/>
+                </a:solidFill>
+                <a:latin typeface="SFMono-Regular"/>
+              </a:rPr>
+              <a:t> forward</a:t>
+            </a:r>
+            <a:r>
+              <a:rPr lang="en-US" altLang="en-US" sz="1400" dirty="0">
+                <a:solidFill>
+                  <a:srgbClr val="666600"/>
+                </a:solidFill>
+                <a:latin typeface="SFMono-Regular"/>
+              </a:rPr>
+              <a:t>(</a:t>
+            </a:r>
+            <a:r>
+              <a:rPr lang="en-US" altLang="en-US" sz="1400" dirty="0">
+                <a:solidFill>
+                  <a:srgbClr val="A626A4"/>
+                </a:solidFill>
+                <a:latin typeface="SFMono-Regular"/>
+              </a:rPr>
+              <a:t>self</a:t>
+            </a:r>
+            <a:r>
+              <a:rPr lang="en-US" altLang="en-US" sz="1400" dirty="0">
+                <a:solidFill>
+                  <a:srgbClr val="666600"/>
+                </a:solidFill>
+                <a:latin typeface="SFMono-Regular"/>
+              </a:rPr>
+              <a:t>,</a:t>
+            </a:r>
+            <a:r>
+              <a:rPr lang="en-US" altLang="en-US" sz="1400" dirty="0">
+                <a:solidFill>
+                  <a:srgbClr val="383A42"/>
+                </a:solidFill>
+                <a:latin typeface="SFMono-Regular"/>
+              </a:rPr>
+              <a:t> t</a:t>
+            </a:r>
+            <a:r>
+              <a:rPr lang="en-US" altLang="en-US" sz="1400" dirty="0">
+                <a:solidFill>
+                  <a:srgbClr val="666600"/>
+                </a:solidFill>
+                <a:latin typeface="SFMono-Regular"/>
+              </a:rPr>
+              <a:t>):</a:t>
+            </a:r>
+          </a:p>
+          <a:p>
+            <a:pPr lvl="0" eaLnBrk="0" fontAlgn="base" hangingPunct="0">
+              <a:spcBef>
+                <a:spcPct val="0"/>
+              </a:spcBef>
+              <a:spcAft>
+                <a:spcPct val="0"/>
+              </a:spcAft>
+            </a:pPr>
+            <a:r>
+              <a:rPr lang="en-US" altLang="en-US" sz="1400" dirty="0">
+                <a:solidFill>
+                  <a:srgbClr val="666600"/>
+                </a:solidFill>
+                <a:latin typeface="SFMono-Regular"/>
+              </a:rPr>
+              <a:t>        </a:t>
+            </a:r>
+            <a:r>
+              <a:rPr lang="en-US" altLang="en-US" sz="1400" dirty="0">
+                <a:solidFill>
+                  <a:srgbClr val="383A42"/>
+                </a:solidFill>
+                <a:latin typeface="SFMono-Regular"/>
+              </a:rPr>
+              <a:t> </a:t>
+            </a:r>
+            <a:r>
+              <a:rPr lang="en-US" altLang="en-US" sz="1400" dirty="0">
+                <a:solidFill>
+                  <a:srgbClr val="880000"/>
+                </a:solidFill>
+                <a:latin typeface="SFMono-Regular"/>
+              </a:rPr>
+              <a:t># implement the forward pass</a:t>
+            </a:r>
+            <a:r>
+              <a:rPr lang="en-US" altLang="en-US" sz="1400" dirty="0">
+                <a:solidFill>
+                  <a:srgbClr val="383A42"/>
+                </a:solidFill>
+                <a:latin typeface="SFMono-Regular"/>
+              </a:rPr>
+              <a:t> </a:t>
+            </a:r>
+          </a:p>
+          <a:p>
+            <a:pPr lvl="0" eaLnBrk="0" fontAlgn="base" hangingPunct="0">
+              <a:spcBef>
+                <a:spcPct val="0"/>
+              </a:spcBef>
+              <a:spcAft>
+                <a:spcPct val="0"/>
+              </a:spcAft>
+            </a:pPr>
+            <a:r>
+              <a:rPr lang="en-US" altLang="en-US" sz="1400" dirty="0">
+                <a:solidFill>
+                  <a:srgbClr val="383A42"/>
+                </a:solidFill>
+                <a:latin typeface="SFMono-Regular"/>
+              </a:rPr>
+              <a:t>        </a:t>
+            </a:r>
+            <a:r>
+              <a:rPr lang="en-US" altLang="en-US" sz="1400" dirty="0">
+                <a:solidFill>
+                  <a:srgbClr val="A626A4"/>
+                </a:solidFill>
+                <a:latin typeface="SFMono-Regular"/>
+              </a:rPr>
+              <a:t>return</a:t>
+            </a:r>
+            <a:r>
+              <a:rPr lang="en-US" altLang="en-US" sz="1400" dirty="0">
+                <a:solidFill>
+                  <a:srgbClr val="383A42"/>
+                </a:solidFill>
+                <a:latin typeface="SFMono-Regular"/>
+              </a:rPr>
+              <a:t> t</a:t>
+            </a:r>
+            <a:r>
+              <a:rPr lang="en-US" altLang="en-US" sz="1400" dirty="0">
+                <a:solidFill>
+                  <a:schemeClr val="tx1"/>
+                </a:solidFill>
+              </a:rPr>
+              <a:t> </a:t>
+            </a:r>
+            <a:endParaRPr lang="en-US" altLang="en-US" sz="1400" dirty="0">
+              <a:solidFill>
+                <a:schemeClr val="tx1"/>
+              </a:solidFill>
+              <a:latin typeface="Arial" panose="020B0604020202020204" pitchFamily="34" charset="0"/>
+            </a:endParaRPr>
+          </a:p>
+        </p:txBody>
+      </p:sp>
+      <p:pic>
+        <p:nvPicPr>
+          <p:cNvPr id="11" name="Picture 10">
+            <a:extLst>
+              <a:ext uri="{FF2B5EF4-FFF2-40B4-BE49-F238E27FC236}">
+                <a16:creationId xmlns:a16="http://schemas.microsoft.com/office/drawing/2014/main" id="{1F72B23E-9723-44B9-A5FF-F0A6A7D4F594}"/>
+              </a:ext>
+            </a:extLst>
+          </p:cNvPr>
+          <p:cNvPicPr>
+            <a:picLocks noChangeAspect="1"/>
+          </p:cNvPicPr>
+          <p:nvPr/>
+        </p:nvPicPr>
+        <p:blipFill>
+          <a:blip r:embed="rId4"/>
+          <a:stretch>
+            <a:fillRect/>
+          </a:stretch>
+        </p:blipFill>
+        <p:spPr>
+          <a:xfrm>
+            <a:off x="2051720" y="5009576"/>
+            <a:ext cx="2276475" cy="1295400"/>
+          </a:xfrm>
+          <a:prstGeom prst="rect">
+            <a:avLst/>
+          </a:prstGeom>
+        </p:spPr>
+      </p:pic>
+      <p:sp>
+        <p:nvSpPr>
+          <p:cNvPr id="12" name="Rectangle 11">
+            <a:extLst>
+              <a:ext uri="{FF2B5EF4-FFF2-40B4-BE49-F238E27FC236}">
+                <a16:creationId xmlns:a16="http://schemas.microsoft.com/office/drawing/2014/main" id="{4187AB3E-11F7-4A84-83BF-7BEF31E89A73}"/>
+              </a:ext>
+            </a:extLst>
+          </p:cNvPr>
+          <p:cNvSpPr/>
+          <p:nvPr/>
+        </p:nvSpPr>
+        <p:spPr>
+          <a:xfrm>
+            <a:off x="1691680" y="1227492"/>
+            <a:ext cx="6768752" cy="5128858"/>
+          </a:xfrm>
+          <a:prstGeom prst="rect">
+            <a:avLst/>
+          </a:prstGeom>
+          <a:noFill/>
+          <a:ln>
+            <a:solidFill>
+              <a:srgbClr val="C00000"/>
+            </a:solidFill>
+          </a:ln>
+        </p:spPr>
+        <p:style>
+          <a:lnRef idx="2">
+            <a:schemeClr val="accent1">
+              <a:shade val="50000"/>
+            </a:schemeClr>
+          </a:lnRef>
+          <a:fillRef idx="1">
+            <a:schemeClr val="accent1"/>
+          </a:fillRef>
+          <a:effectRef idx="0">
+            <a:schemeClr val="accent1"/>
+          </a:effectRef>
+          <a:fontRef idx="minor">
+            <a:schemeClr val="lt1"/>
+          </a:fontRef>
+        </p:style>
+        <p:txBody>
+          <a:bodyPr rtlCol="0" anchor="ctr"/>
+          <a:lstStyle/>
+          <a:p>
+            <a:pPr algn="ctr"/>
+            <a:endParaRPr lang="en-US"/>
+          </a:p>
+        </p:txBody>
+      </p:sp>
+    </p:spTree>
+    <p:extLst>
+      <p:ext uri="{BB962C8B-B14F-4D97-AF65-F5344CB8AC3E}">
+        <p14:creationId xmlns:p14="http://schemas.microsoft.com/office/powerpoint/2010/main" val="4218957616"/>
+      </p:ext>
+    </p:extLst>
+  </p:cSld>
+  <p:clrMapOvr>
+    <a:masterClrMapping/>
+  </p:clrMapOvr>
+</p:sld>
+</file>
+
+<file path=ppt/slides/slide34.xml><?xml version="1.0" encoding="utf-8"?>
+<p:sld xmlns:a="http://schemas.openxmlformats.org/drawingml/2006/main" xmlns:r="http://schemas.openxmlformats.org/officeDocument/2006/relationships" xmlns:p="http://schemas.openxmlformats.org/presentationml/2006/main">
+  <p:cSld>
+    <p:spTree>
+      <p:nvGrpSpPr>
+        <p:cNvPr id="1" name=""/>
+        <p:cNvGrpSpPr/>
+        <p:nvPr/>
+      </p:nvGrpSpPr>
+      <p:grpSpPr>
+        <a:xfrm>
+          <a:off x="0" y="0"/>
+          <a:ext cx="0" cy="0"/>
+          <a:chOff x="0" y="0"/>
+          <a:chExt cx="0" cy="0"/>
+        </a:xfrm>
+      </p:grpSpPr>
+      <p:sp>
+        <p:nvSpPr>
+          <p:cNvPr id="2" name="標題 1"/>
+          <p:cNvSpPr>
+            <a:spLocks noGrp="1"/>
+          </p:cNvSpPr>
+          <p:nvPr>
+            <p:ph type="ctrTitle"/>
+          </p:nvPr>
+        </p:nvSpPr>
+        <p:spPr>
+          <a:xfrm>
+            <a:off x="0" y="2130425"/>
+            <a:ext cx="9144000" cy="1470025"/>
+          </a:xfrm>
+          <a:gradFill flip="none" rotWithShape="1">
+            <a:gsLst>
+              <a:gs pos="0">
+                <a:srgbClr val="00B0F0">
+                  <a:shade val="30000"/>
+                  <a:satMod val="115000"/>
+                </a:srgbClr>
+              </a:gs>
+              <a:gs pos="50000">
+                <a:srgbClr val="00B0F0">
+                  <a:shade val="67500"/>
+                  <a:satMod val="115000"/>
+                </a:srgbClr>
+              </a:gs>
+              <a:gs pos="100000">
+                <a:srgbClr val="00B0F0">
+                  <a:shade val="100000"/>
+                  <a:satMod val="115000"/>
+                </a:srgbClr>
+              </a:gs>
+            </a:gsLst>
+            <a:path path="circle">
+              <a:fillToRect t="100000" r="100000"/>
+            </a:path>
+            <a:tileRect l="-100000" b="-100000"/>
+          </a:gradFill>
+        </p:spPr>
+        <p:txBody>
+          <a:bodyPr>
+            <a:normAutofit/>
+          </a:bodyPr>
+          <a:lstStyle/>
+          <a:p>
+            <a:r>
+              <a:rPr lang="en-US" altLang="zh-TW" sz="6000" b="1" dirty="0">
+                <a:solidFill>
+                  <a:srgbClr val="FFFF00"/>
+                </a:solidFill>
+              </a:rPr>
+              <a:t>End of Chapter</a:t>
+            </a:r>
+            <a:endParaRPr lang="zh-TW" altLang="en-US" sz="6000" b="1" dirty="0">
+              <a:solidFill>
+                <a:srgbClr val="FFFF00"/>
+              </a:solidFill>
+            </a:endParaRPr>
+          </a:p>
+        </p:txBody>
+      </p:sp>
+      <p:sp>
+        <p:nvSpPr>
+          <p:cNvPr id="5" name="日期版面配置區 4"/>
+          <p:cNvSpPr>
+            <a:spLocks noGrp="1"/>
+          </p:cNvSpPr>
+          <p:nvPr>
+            <p:ph type="dt" sz="half" idx="10"/>
+          </p:nvPr>
+        </p:nvSpPr>
+        <p:spPr/>
+        <p:txBody>
+          <a:bodyPr/>
+          <a:lstStyle/>
+          <a:p>
+            <a:fld id="{4E46BE27-E923-4EC2-B046-3272AE2A3E5C}" type="datetime1">
+              <a:rPr lang="zh-TW" altLang="en-US" smtClean="0"/>
+              <a:pPr/>
+              <a:t>2020/5/30</a:t>
+            </a:fld>
+            <a:endParaRPr lang="zh-TW" altLang="en-US"/>
+          </a:p>
+        </p:txBody>
+      </p:sp>
+      <p:sp>
+        <p:nvSpPr>
+          <p:cNvPr id="6" name="投影片編號版面配置區 5"/>
+          <p:cNvSpPr>
+            <a:spLocks noGrp="1"/>
+          </p:cNvSpPr>
+          <p:nvPr>
+            <p:ph type="sldNum" sz="quarter" idx="12"/>
+          </p:nvPr>
+        </p:nvSpPr>
+        <p:spPr/>
+        <p:txBody>
+          <a:bodyPr/>
+          <a:lstStyle/>
+          <a:p>
+            <a:fld id="{E4D7E63D-91F2-4366-A2C4-1B00C9E2590E}" type="slidenum">
+              <a:rPr lang="zh-TW" altLang="en-US" smtClean="0"/>
+              <a:pPr/>
+              <a:t>34</a:t>
+            </a:fld>
+            <a:endParaRPr lang="zh-TW" altLang="en-US"/>
+          </a:p>
+        </p:txBody>
+      </p:sp>
+    </p:spTree>
+  </p:cSld>
+  <p:clrMapOvr>
+    <a:masterClrMapping/>
+  </p:clrMapOvr>
+</p:sld>
+</file>
+
+<file path=ppt/slides/slide4.xml><?xml version="1.0" encoding="utf-8"?>
+<p:sld xmlns:a="http://schemas.openxmlformats.org/drawingml/2006/main" xmlns:r="http://schemas.openxmlformats.org/officeDocument/2006/relationships" xmlns:p="http://schemas.openxmlformats.org/presentationml/2006/main">
+  <p:cSld>
+    <p:spTree>
+      <p:nvGrpSpPr>
+        <p:cNvPr id="1" name=""/>
+        <p:cNvGrpSpPr/>
+        <p:nvPr/>
+      </p:nvGrpSpPr>
+      <p:grpSpPr>
+        <a:xfrm>
+          <a:off x="0" y="0"/>
+          <a:ext cx="0" cy="0"/>
+          <a:chOff x="0" y="0"/>
+          <a:chExt cx="0" cy="0"/>
+        </a:xfrm>
+      </p:grpSpPr>
+      <p:sp>
+        <p:nvSpPr>
+          <p:cNvPr id="2" name="標題 1"/>
+          <p:cNvSpPr>
+            <a:spLocks noGrp="1"/>
+          </p:cNvSpPr>
+          <p:nvPr>
+            <p:ph type="ctrTitle"/>
+          </p:nvPr>
+        </p:nvSpPr>
+        <p:spPr>
+          <a:xfrm>
+            <a:off x="0" y="1"/>
+            <a:ext cx="9144000" cy="764704"/>
+          </a:xfrm>
+          <a:gradFill flip="none" rotWithShape="1">
+            <a:gsLst>
+              <a:gs pos="0">
+                <a:srgbClr val="C00000">
+                  <a:shade val="30000"/>
+                  <a:satMod val="115000"/>
+                </a:srgbClr>
+              </a:gs>
+              <a:gs pos="50000">
+                <a:srgbClr val="C00000">
+                  <a:shade val="67500"/>
+                  <a:satMod val="115000"/>
+                </a:srgbClr>
+              </a:gs>
+              <a:gs pos="100000">
+                <a:srgbClr val="C00000">
+                  <a:shade val="100000"/>
+                  <a:satMod val="115000"/>
+                </a:srgbClr>
+              </a:gs>
+            </a:gsLst>
+            <a:path path="circle">
+              <a:fillToRect t="100000" r="100000"/>
+            </a:path>
+            <a:tileRect l="-100000" b="-100000"/>
+          </a:gradFill>
+        </p:spPr>
+        <p:txBody>
+          <a:bodyPr>
+            <a:normAutofit/>
+          </a:bodyPr>
+          <a:lstStyle/>
+          <a:p>
+            <a:pPr algn="l"/>
+            <a:r>
+              <a:rPr lang="en-US" altLang="zh-TW" b="1" dirty="0">
+                <a:solidFill>
+                  <a:srgbClr val="FFFF00"/>
+                </a:solidFill>
+              </a:rPr>
+              <a:t>17 Build CNN (Part 2)</a:t>
+            </a:r>
+            <a:endParaRPr lang="zh-TW" altLang="en-US" b="1" dirty="0">
+              <a:solidFill>
+                <a:srgbClr val="FFFF00"/>
+              </a:solidFill>
+            </a:endParaRPr>
+          </a:p>
+        </p:txBody>
+      </p:sp>
+      <p:sp>
+        <p:nvSpPr>
+          <p:cNvPr id="3" name="副標題 2"/>
+          <p:cNvSpPr>
+            <a:spLocks noGrp="1"/>
+          </p:cNvSpPr>
+          <p:nvPr>
+            <p:ph type="subTitle" idx="1"/>
+          </p:nvPr>
+        </p:nvSpPr>
+        <p:spPr>
+          <a:xfrm>
+            <a:off x="457200" y="1325449"/>
+            <a:ext cx="8352928" cy="942021"/>
+          </a:xfrm>
+          <a:ln>
+            <a:solidFill>
+              <a:srgbClr val="C00000"/>
+            </a:solidFill>
+          </a:ln>
+        </p:spPr>
+        <p:txBody>
+          <a:bodyPr>
+            <a:noAutofit/>
+          </a:bodyPr>
+          <a:lstStyle/>
+          <a:p>
+            <a:pPr marL="342900" indent="-342900" algn="l">
+              <a:buClr>
+                <a:srgbClr val="0070C0"/>
+              </a:buClr>
+              <a:buSzPct val="80000"/>
+              <a:buFont typeface="Wingdings" pitchFamily="2" charset="2"/>
+              <a:buChar char="u"/>
+            </a:pPr>
+            <a:r>
+              <a:rPr lang="en-US" sz="1800" b="1" dirty="0">
+                <a:solidFill>
+                  <a:schemeClr val="tx1"/>
+                </a:solidFill>
+              </a:rPr>
+              <a:t>Build CNN</a:t>
+            </a:r>
+          </a:p>
+          <a:p>
+            <a:pPr marL="342900" indent="-342900" algn="l">
+              <a:buClr>
+                <a:srgbClr val="0070C0"/>
+              </a:buClr>
+              <a:buSzPct val="80000"/>
+              <a:buFont typeface="Wingdings" pitchFamily="2" charset="2"/>
+              <a:buChar char="u"/>
+            </a:pPr>
+            <a:r>
+              <a:rPr lang="en-US" sz="1800" dirty="0">
+                <a:solidFill>
+                  <a:schemeClr val="tx1"/>
+                </a:solidFill>
+              </a:rPr>
+              <a:t>When we extend </a:t>
+            </a:r>
+            <a:r>
+              <a:rPr lang="en-US" sz="1800" dirty="0" err="1">
+                <a:solidFill>
+                  <a:schemeClr val="tx1"/>
+                </a:solidFill>
+              </a:rPr>
+              <a:t>torch.nn.Module</a:t>
+            </a:r>
+            <a:r>
+              <a:rPr lang="en-US" sz="1800" dirty="0">
+                <a:solidFill>
+                  <a:schemeClr val="tx1"/>
+                </a:solidFill>
+              </a:rPr>
+              <a:t> </a:t>
+            </a:r>
+            <a:r>
+              <a:rPr lang="en-US" sz="1800" dirty="0" err="1">
+                <a:solidFill>
+                  <a:schemeClr val="tx1"/>
+                </a:solidFill>
+              </a:rPr>
+              <a:t>pyTorch</a:t>
+            </a:r>
+            <a:r>
+              <a:rPr lang="en-US" sz="1800" dirty="0">
+                <a:solidFill>
+                  <a:schemeClr val="tx1"/>
+                </a:solidFill>
+              </a:rPr>
+              <a:t> class. This mean we need to utilize the Object-Oriented Programming in Python.</a:t>
+            </a:r>
+          </a:p>
+        </p:txBody>
+      </p:sp>
+      <p:sp>
+        <p:nvSpPr>
+          <p:cNvPr id="4" name="標題 1"/>
+          <p:cNvSpPr txBox="1">
+            <a:spLocks/>
+          </p:cNvSpPr>
+          <p:nvPr/>
+        </p:nvSpPr>
+        <p:spPr>
+          <a:xfrm>
+            <a:off x="0" y="764704"/>
+            <a:ext cx="9144000" cy="360040"/>
+          </a:xfrm>
+          <a:prstGeom prst="rect">
+            <a:avLst/>
+          </a:prstGeom>
+          <a:gradFill flip="none" rotWithShape="1">
+            <a:gsLst>
+              <a:gs pos="0">
+                <a:srgbClr val="00B0F0">
+                  <a:shade val="30000"/>
+                  <a:satMod val="115000"/>
+                </a:srgbClr>
+              </a:gs>
+              <a:gs pos="50000">
+                <a:srgbClr val="00B0F0">
+                  <a:shade val="67500"/>
+                  <a:satMod val="115000"/>
+                </a:srgbClr>
+              </a:gs>
+              <a:gs pos="100000">
+                <a:srgbClr val="00B0F0">
+                  <a:shade val="100000"/>
+                  <a:satMod val="115000"/>
+                </a:srgbClr>
+              </a:gs>
+            </a:gsLst>
+            <a:path path="circle">
+              <a:fillToRect t="100000" r="100000"/>
+            </a:path>
+            <a:tileRect l="-100000" b="-100000"/>
+          </a:gradFill>
+        </p:spPr>
+        <p:txBody>
+          <a:bodyPr vert="horz" lIns="91440" tIns="45720" rIns="91440" bIns="45720" rtlCol="0" anchor="ctr">
+            <a:normAutofit/>
+          </a:bodyPr>
+          <a:lstStyle/>
+          <a:p>
+            <a:pPr lvl="0">
+              <a:spcBef>
+                <a:spcPct val="0"/>
+              </a:spcBef>
+            </a:pPr>
+            <a:r>
+              <a:rPr lang="en-US" sz="1600" dirty="0">
+                <a:hlinkClick r:id="rId2"/>
+              </a:rPr>
+              <a:t>https://www.youtube.com/watch?v=k4jY9L8H89U&amp;list=PLZbbT5o_s2xrfNyHZsM6ufI0iZENK9xgG&amp;index=17</a:t>
+            </a:r>
+            <a:endParaRPr kumimoji="0" lang="zh-TW" altLang="en-US" sz="1600" b="0" i="0" u="none" strike="noStrike" kern="1200" cap="none" spc="0" normalizeH="0" baseline="0" noProof="0" dirty="0">
+              <a:ln>
+                <a:noFill/>
+              </a:ln>
+              <a:solidFill>
+                <a:schemeClr val="tx1"/>
+              </a:solidFill>
+              <a:effectLst/>
+              <a:uLnTx/>
+              <a:uFillTx/>
+              <a:latin typeface="+mj-lt"/>
+              <a:ea typeface="+mj-ea"/>
+              <a:cs typeface="+mj-cs"/>
+            </a:endParaRPr>
+          </a:p>
+        </p:txBody>
+      </p:sp>
+      <p:sp>
+        <p:nvSpPr>
+          <p:cNvPr id="5" name="日期版面配置區 4"/>
+          <p:cNvSpPr>
+            <a:spLocks noGrp="1"/>
+          </p:cNvSpPr>
+          <p:nvPr>
+            <p:ph type="dt" sz="half" idx="10"/>
+          </p:nvPr>
+        </p:nvSpPr>
+        <p:spPr/>
+        <p:txBody>
+          <a:bodyPr/>
+          <a:lstStyle/>
+          <a:p>
+            <a:fld id="{A4F910E6-8D00-4BAF-8C48-9688E0B449D3}" type="datetime1">
+              <a:rPr lang="zh-TW" altLang="en-US" smtClean="0"/>
+              <a:pPr/>
+              <a:t>2020/5/30</a:t>
             </a:fld>
             <a:endParaRPr lang="zh-TW" altLang="en-US"/>
           </a:p>
@@ -14520,7 +17898,7 @@
             <a:fld id="{A4F910E6-8D00-4BAF-8C48-9688E0B449D3}" type="datetime1">
               <a:rPr lang="zh-TW" altLang="en-US" smtClean="0"/>
               <a:pPr/>
-              <a:t>2020/5/28</a:t>
+              <a:t>2020/5/30</a:t>
             </a:fld>
             <a:endParaRPr lang="zh-TW" altLang="en-US"/>
           </a:p>
@@ -14876,7 +18254,7 @@
             <a:fld id="{A4F910E6-8D00-4BAF-8C48-9688E0B449D3}" type="datetime1">
               <a:rPr lang="zh-TW" altLang="en-US" smtClean="0"/>
               <a:pPr/>
-              <a:t>2020/5/28</a:t>
+              <a:t>2020/5/30</a:t>
             </a:fld>
             <a:endParaRPr lang="zh-TW" altLang="en-US"/>
           </a:p>
@@ -15279,7 +18657,7 @@
             <a:fld id="{A4F910E6-8D00-4BAF-8C48-9688E0B449D3}" type="datetime1">
               <a:rPr lang="zh-TW" altLang="en-US" smtClean="0"/>
               <a:pPr/>
-              <a:t>2020/5/28</a:t>
+              <a:t>2020/5/30</a:t>
             </a:fld>
             <a:endParaRPr lang="zh-TW" altLang="en-US"/>
           </a:p>
@@ -15690,7 +19068,7 @@
             <a:fld id="{A4F910E6-8D00-4BAF-8C48-9688E0B449D3}" type="datetime1">
               <a:rPr lang="zh-TW" altLang="en-US" smtClean="0"/>
               <a:pPr/>
-              <a:t>2020/5/28</a:t>
+              <a:t>2020/5/30</a:t>
             </a:fld>
             <a:endParaRPr lang="zh-TW" altLang="en-US"/>
           </a:p>
@@ -15809,7 +19187,7 @@
             <a:fld id="{C389EDC9-19E3-47AC-9C57-C6A24DEA81AD}" type="datetime1">
               <a:rPr lang="zh-TW" altLang="en-US" smtClean="0"/>
               <a:pPr/>
-              <a:t>2020/5/28</a:t>
+              <a:t>2020/5/30</a:t>
             </a:fld>
             <a:endParaRPr lang="zh-TW" altLang="en-US"/>
           </a:p>

--- a/17_BuildCNN.pptx
+++ b/17_BuildCNN.pptx
@@ -242,7 +242,7 @@
             <a:fld id="{6837EDA8-41C8-4B24-A206-13C08A65A6D7}" type="datetimeFigureOut">
               <a:rPr lang="zh-TW" altLang="en-US" smtClean="0"/>
               <a:pPr/>
-              <a:t>2020/5/30</a:t>
+              <a:t>2020/5/31</a:t>
             </a:fld>
             <a:endParaRPr lang="zh-TW" altLang="en-US"/>
           </a:p>
@@ -695,7 +695,7 @@
             <a:fld id="{8B85509C-BD4F-47BF-9B1E-FC2E949B3621}" type="datetime1">
               <a:rPr lang="zh-TW" altLang="en-US" smtClean="0"/>
               <a:pPr/>
-              <a:t>2020/5/30</a:t>
+              <a:t>2020/5/31</a:t>
             </a:fld>
             <a:endParaRPr lang="zh-TW" altLang="en-US"/>
           </a:p>
@@ -868,7 +868,7 @@
             <a:fld id="{42251B24-F787-4C15-8A0F-7AEC20C70069}" type="datetime1">
               <a:rPr lang="zh-TW" altLang="en-US" smtClean="0"/>
               <a:pPr/>
-              <a:t>2020/5/30</a:t>
+              <a:t>2020/5/31</a:t>
             </a:fld>
             <a:endParaRPr lang="zh-TW" altLang="en-US"/>
           </a:p>
@@ -1043,7 +1043,7 @@
             <a:fld id="{9CA0D33C-CE2B-45F1-B8D4-FFD1F131F331}" type="datetime1">
               <a:rPr lang="zh-TW" altLang="en-US" smtClean="0"/>
               <a:pPr/>
-              <a:t>2020/5/30</a:t>
+              <a:t>2020/5/31</a:t>
             </a:fld>
             <a:endParaRPr lang="zh-TW" altLang="en-US"/>
           </a:p>
@@ -1208,7 +1208,7 @@
             <a:fld id="{50B99440-D9EF-40CC-9B52-F6428D9B2C76}" type="datetime1">
               <a:rPr lang="zh-TW" altLang="en-US" smtClean="0"/>
               <a:pPr/>
-              <a:t>2020/5/30</a:t>
+              <a:t>2020/5/31</a:t>
             </a:fld>
             <a:endParaRPr lang="zh-TW" altLang="en-US"/>
           </a:p>
@@ -1450,7 +1450,7 @@
             <a:fld id="{0871BF52-5C6C-4959-8E27-CECB68D39FE4}" type="datetime1">
               <a:rPr lang="zh-TW" altLang="en-US" smtClean="0"/>
               <a:pPr/>
-              <a:t>2020/5/30</a:t>
+              <a:t>2020/5/31</a:t>
             </a:fld>
             <a:endParaRPr lang="zh-TW" altLang="en-US"/>
           </a:p>
@@ -1732,7 +1732,7 @@
             <a:fld id="{DF863F05-2DD9-4EB1-A827-12FD992DE9DC}" type="datetime1">
               <a:rPr lang="zh-TW" altLang="en-US" smtClean="0"/>
               <a:pPr/>
-              <a:t>2020/5/30</a:t>
+              <a:t>2020/5/31</a:t>
             </a:fld>
             <a:endParaRPr lang="zh-TW" altLang="en-US"/>
           </a:p>
@@ -2148,7 +2148,7 @@
             <a:fld id="{6339AF51-4491-4873-A096-75DB6CE47516}" type="datetime1">
               <a:rPr lang="zh-TW" altLang="en-US" smtClean="0"/>
               <a:pPr/>
-              <a:t>2020/5/30</a:t>
+              <a:t>2020/5/31</a:t>
             </a:fld>
             <a:endParaRPr lang="zh-TW" altLang="en-US"/>
           </a:p>
@@ -2262,7 +2262,7 @@
             <a:fld id="{EE4AD9C8-8B9E-40FF-ABE2-858AC2057BBB}" type="datetime1">
               <a:rPr lang="zh-TW" altLang="en-US" smtClean="0"/>
               <a:pPr/>
-              <a:t>2020/5/30</a:t>
+              <a:t>2020/5/31</a:t>
             </a:fld>
             <a:endParaRPr lang="zh-TW" altLang="en-US"/>
           </a:p>
@@ -2354,7 +2354,7 @@
             <a:fld id="{B4784999-BBBE-4BE4-A8D0-877E7D1D66CC}" type="datetime1">
               <a:rPr lang="zh-TW" altLang="en-US" smtClean="0"/>
               <a:pPr/>
-              <a:t>2020/5/30</a:t>
+              <a:t>2020/5/31</a:t>
             </a:fld>
             <a:endParaRPr lang="zh-TW" altLang="en-US"/>
           </a:p>
@@ -2626,7 +2626,7 @@
             <a:fld id="{E88D17E6-02BD-4944-B9FE-7BFCCBF83D48}" type="datetime1">
               <a:rPr lang="zh-TW" altLang="en-US" smtClean="0"/>
               <a:pPr/>
-              <a:t>2020/5/30</a:t>
+              <a:t>2020/5/31</a:t>
             </a:fld>
             <a:endParaRPr lang="zh-TW" altLang="en-US"/>
           </a:p>
@@ -2875,7 +2875,7 @@
             <a:fld id="{3C13E23D-1FEF-4D78-A3A3-3D6F2BB31954}" type="datetime1">
               <a:rPr lang="zh-TW" altLang="en-US" smtClean="0"/>
               <a:pPr/>
-              <a:t>2020/5/30</a:t>
+              <a:t>2020/5/31</a:t>
             </a:fld>
             <a:endParaRPr lang="zh-TW" altLang="en-US"/>
           </a:p>
@@ -3083,7 +3083,7 @@
             <a:fld id="{06197F35-AD6F-4594-8B50-334492D2E7E8}" type="datetime1">
               <a:rPr lang="zh-TW" altLang="en-US" smtClean="0"/>
               <a:pPr/>
-              <a:t>2020/5/30</a:t>
+              <a:t>2020/5/31</a:t>
             </a:fld>
             <a:endParaRPr lang="zh-TW" altLang="en-US"/>
           </a:p>
@@ -3544,7 +3544,7 @@
             <a:fld id="{C389EDC9-19E3-47AC-9C57-C6A24DEA81AD}" type="datetime1">
               <a:rPr lang="zh-TW" altLang="en-US" smtClean="0"/>
               <a:pPr/>
-              <a:t>2020/5/30</a:t>
+              <a:t>2020/5/31</a:t>
             </a:fld>
             <a:endParaRPr lang="zh-TW" altLang="en-US"/>
           </a:p>
@@ -3858,7 +3858,7 @@
             <a:fld id="{A4F910E6-8D00-4BAF-8C48-9688E0B449D3}" type="datetime1">
               <a:rPr lang="zh-TW" altLang="en-US" smtClean="0"/>
               <a:pPr/>
-              <a:t>2020/5/30</a:t>
+              <a:t>2020/5/31</a:t>
             </a:fld>
             <a:endParaRPr lang="zh-TW" altLang="en-US"/>
           </a:p>
@@ -4012,7 +4012,7 @@
             <a:fld id="{C389EDC9-19E3-47AC-9C57-C6A24DEA81AD}" type="datetime1">
               <a:rPr lang="zh-TW" altLang="en-US" smtClean="0"/>
               <a:pPr/>
-              <a:t>2020/5/30</a:t>
+              <a:t>2020/5/31</a:t>
             </a:fld>
             <a:endParaRPr lang="zh-TW" altLang="en-US"/>
           </a:p>
@@ -4526,7 +4526,7 @@
             <a:fld id="{A4F910E6-8D00-4BAF-8C48-9688E0B449D3}" type="datetime1">
               <a:rPr lang="zh-TW" altLang="en-US" smtClean="0"/>
               <a:pPr/>
-              <a:t>2020/5/30</a:t>
+              <a:t>2020/5/31</a:t>
             </a:fld>
             <a:endParaRPr lang="zh-TW" altLang="en-US"/>
           </a:p>
@@ -4954,7 +4954,7 @@
             <a:fld id="{A4F910E6-8D00-4BAF-8C48-9688E0B449D3}" type="datetime1">
               <a:rPr lang="zh-TW" altLang="en-US" smtClean="0"/>
               <a:pPr/>
-              <a:t>2020/5/30</a:t>
+              <a:t>2020/5/31</a:t>
             </a:fld>
             <a:endParaRPr lang="zh-TW" altLang="en-US"/>
           </a:p>
@@ -5308,7 +5308,7 @@
             <a:fld id="{A4F910E6-8D00-4BAF-8C48-9688E0B449D3}" type="datetime1">
               <a:rPr lang="zh-TW" altLang="en-US" smtClean="0"/>
               <a:pPr/>
-              <a:t>2020/5/30</a:t>
+              <a:t>2020/5/31</a:t>
             </a:fld>
             <a:endParaRPr lang="zh-TW" altLang="en-US"/>
           </a:p>
@@ -5912,7 +5912,7 @@
             <a:fld id="{A4F910E6-8D00-4BAF-8C48-9688E0B449D3}" type="datetime1">
               <a:rPr lang="zh-TW" altLang="en-US" smtClean="0"/>
               <a:pPr/>
-              <a:t>2020/5/30</a:t>
+              <a:t>2020/5/31</a:t>
             </a:fld>
             <a:endParaRPr lang="zh-TW" altLang="en-US"/>
           </a:p>
@@ -6662,7 +6662,7 @@
             <a:fld id="{A4F910E6-8D00-4BAF-8C48-9688E0B449D3}" type="datetime1">
               <a:rPr lang="zh-TW" altLang="en-US" smtClean="0"/>
               <a:pPr/>
-              <a:t>2020/5/30</a:t>
+              <a:t>2020/5/31</a:t>
             </a:fld>
             <a:endParaRPr lang="zh-TW" altLang="en-US"/>
           </a:p>
@@ -7180,7 +7180,7 @@
             <a:fld id="{A4F910E6-8D00-4BAF-8C48-9688E0B449D3}" type="datetime1">
               <a:rPr lang="zh-TW" altLang="en-US" smtClean="0"/>
               <a:pPr/>
-              <a:t>2020/5/30</a:t>
+              <a:t>2020/5/31</a:t>
             </a:fld>
             <a:endParaRPr lang="zh-TW" altLang="en-US"/>
           </a:p>
@@ -7601,7 +7601,7 @@
             <a:fld id="{A4F910E6-8D00-4BAF-8C48-9688E0B449D3}" type="datetime1">
               <a:rPr lang="zh-TW" altLang="en-US" smtClean="0"/>
               <a:pPr/>
-              <a:t>2020/5/30</a:t>
+              <a:t>2020/5/31</a:t>
             </a:fld>
             <a:endParaRPr lang="zh-TW" altLang="en-US"/>
           </a:p>
@@ -8295,7 +8295,7 @@
             <a:fld id="{A4F910E6-8D00-4BAF-8C48-9688E0B449D3}" type="datetime1">
               <a:rPr lang="zh-TW" altLang="en-US" smtClean="0"/>
               <a:pPr/>
-              <a:t>2020/5/30</a:t>
+              <a:t>2020/5/31</a:t>
             </a:fld>
             <a:endParaRPr lang="zh-TW" altLang="en-US"/>
           </a:p>
@@ -8769,7 +8769,7 @@
             <a:fld id="{A4F910E6-8D00-4BAF-8C48-9688E0B449D3}" type="datetime1">
               <a:rPr lang="zh-TW" altLang="en-US" smtClean="0"/>
               <a:pPr/>
-              <a:t>2020/5/30</a:t>
+              <a:t>2020/5/31</a:t>
             </a:fld>
             <a:endParaRPr lang="zh-TW" altLang="en-US"/>
           </a:p>
@@ -9355,7 +9355,7 @@
             <a:fld id="{A4F910E6-8D00-4BAF-8C48-9688E0B449D3}" type="datetime1">
               <a:rPr lang="zh-TW" altLang="en-US" smtClean="0"/>
               <a:pPr/>
-              <a:t>2020/5/30</a:t>
+              <a:t>2020/5/31</a:t>
             </a:fld>
             <a:endParaRPr lang="zh-TW" altLang="en-US"/>
           </a:p>
@@ -9906,7 +9906,7 @@
             <a:fld id="{A4F910E6-8D00-4BAF-8C48-9688E0B449D3}" type="datetime1">
               <a:rPr lang="zh-TW" altLang="en-US" smtClean="0"/>
               <a:pPr/>
-              <a:t>2020/5/30</a:t>
+              <a:t>2020/5/31</a:t>
             </a:fld>
             <a:endParaRPr lang="zh-TW" altLang="en-US"/>
           </a:p>
@@ -10526,7 +10526,7 @@
             <a:fld id="{A4F910E6-8D00-4BAF-8C48-9688E0B449D3}" type="datetime1">
               <a:rPr lang="zh-TW" altLang="en-US" smtClean="0"/>
               <a:pPr/>
-              <a:t>2020/5/30</a:t>
+              <a:t>2020/5/31</a:t>
             </a:fld>
             <a:endParaRPr lang="zh-TW" altLang="en-US"/>
           </a:p>
@@ -10680,7 +10680,7 @@
             <a:fld id="{C389EDC9-19E3-47AC-9C57-C6A24DEA81AD}" type="datetime1">
               <a:rPr lang="zh-TW" altLang="en-US" smtClean="0"/>
               <a:pPr/>
-              <a:t>2020/5/30</a:t>
+              <a:t>2020/5/31</a:t>
             </a:fld>
             <a:endParaRPr lang="zh-TW" altLang="en-US"/>
           </a:p>
@@ -11553,7 +11553,7 @@
             <a:fld id="{A4F910E6-8D00-4BAF-8C48-9688E0B449D3}" type="datetime1">
               <a:rPr lang="zh-TW" altLang="en-US" smtClean="0"/>
               <a:pPr/>
-              <a:t>2020/5/30</a:t>
+              <a:t>2020/5/31</a:t>
             </a:fld>
             <a:endParaRPr lang="zh-TW" altLang="en-US"/>
           </a:p>
@@ -11691,7 +11691,7 @@
         <p:spPr>
           <a:xfrm>
             <a:off x="457200" y="1286078"/>
-            <a:ext cx="8352928" cy="3367058"/>
+            <a:ext cx="8352928" cy="4519186"/>
           </a:xfrm>
           <a:ln>
             <a:solidFill>
@@ -12143,6 +12143,32 @@
                 </a:solidFill>
               </a:rPr>
               <a:t>&gt;	return t</a:t>
+            </a:r>
+          </a:p>
+          <a:p>
+            <a:pPr marL="342900" indent="-342900" algn="l">
+              <a:buClr>
+                <a:srgbClr val="0070C0"/>
+              </a:buClr>
+              <a:buSzPct val="80000"/>
+              <a:buFont typeface="Wingdings" pitchFamily="2" charset="2"/>
+              <a:buChar char="u"/>
+            </a:pPr>
+            <a:r>
+              <a:rPr lang="en-US" sz="1800">
+                <a:solidFill>
+                  <a:schemeClr val="tx1"/>
+                </a:solidFill>
+              </a:rPr>
+              <a:t>Note: Chapter </a:t>
+            </a:r>
+            <a:r>
+              <a:rPr lang="en-US" sz="1800" dirty="0">
+                <a:solidFill>
+                  <a:schemeClr val="tx1"/>
+                </a:solidFill>
+              </a:rPr>
+              <a:t>21: input feature 12 * 4 * 4 is output channel of conv2 (12) and 4 * 4 is height and width of the filter.</a:t>
             </a:r>
           </a:p>
         </p:txBody>
@@ -12242,7 +12268,7 @@
             <a:fld id="{A4F910E6-8D00-4BAF-8C48-9688E0B449D3}" type="datetime1">
               <a:rPr lang="zh-TW" altLang="en-US" smtClean="0"/>
               <a:pPr/>
-              <a:t>2020/5/30</a:t>
+              <a:t>2020/5/31</a:t>
             </a:fld>
             <a:endParaRPr lang="zh-TW" altLang="en-US"/>
           </a:p>
@@ -12967,7 +12993,7 @@
             <a:fld id="{A4F910E6-8D00-4BAF-8C48-9688E0B449D3}" type="datetime1">
               <a:rPr lang="zh-TW" altLang="en-US" smtClean="0"/>
               <a:pPr/>
-              <a:t>2020/5/30</a:t>
+              <a:t>2020/5/31</a:t>
             </a:fld>
             <a:endParaRPr lang="zh-TW" altLang="en-US"/>
           </a:p>
@@ -13233,7 +13259,7 @@
             <a:fld id="{A4F910E6-8D00-4BAF-8C48-9688E0B449D3}" type="datetime1">
               <a:rPr lang="zh-TW" altLang="en-US" smtClean="0"/>
               <a:pPr/>
-              <a:t>2020/5/30</a:t>
+              <a:t>2020/5/31</a:t>
             </a:fld>
             <a:endParaRPr lang="zh-TW" altLang="en-US"/>
           </a:p>
@@ -13422,7 +13448,7 @@
             <a:fld id="{C389EDC9-19E3-47AC-9C57-C6A24DEA81AD}" type="datetime1">
               <a:rPr lang="zh-TW" altLang="en-US" smtClean="0"/>
               <a:pPr/>
-              <a:t>2020/5/30</a:t>
+              <a:t>2020/5/31</a:t>
             </a:fld>
             <a:endParaRPr lang="zh-TW" altLang="en-US"/>
           </a:p>
@@ -13862,7 +13888,7 @@
             <a:fld id="{A4F910E6-8D00-4BAF-8C48-9688E0B449D3}" type="datetime1">
               <a:rPr lang="zh-TW" altLang="en-US" smtClean="0"/>
               <a:pPr/>
-              <a:t>2020/5/30</a:t>
+              <a:t>2020/5/31</a:t>
             </a:fld>
             <a:endParaRPr lang="zh-TW" altLang="en-US"/>
           </a:p>
@@ -14180,7 +14206,7 @@
             <a:fld id="{A4F910E6-8D00-4BAF-8C48-9688E0B449D3}" type="datetime1">
               <a:rPr lang="zh-TW" altLang="en-US" smtClean="0"/>
               <a:pPr/>
-              <a:t>2020/5/30</a:t>
+              <a:t>2020/5/31</a:t>
             </a:fld>
             <a:endParaRPr lang="zh-TW" altLang="en-US"/>
           </a:p>
@@ -14334,7 +14360,7 @@
             <a:fld id="{C389EDC9-19E3-47AC-9C57-C6A24DEA81AD}" type="datetime1">
               <a:rPr lang="zh-TW" altLang="en-US" smtClean="0"/>
               <a:pPr/>
-              <a:t>2020/5/30</a:t>
+              <a:t>2020/5/31</a:t>
             </a:fld>
             <a:endParaRPr lang="zh-TW" altLang="en-US"/>
           </a:p>
@@ -14630,7 +14656,7 @@
             <a:fld id="{A4F910E6-8D00-4BAF-8C48-9688E0B449D3}" type="datetime1">
               <a:rPr lang="zh-TW" altLang="en-US" smtClean="0"/>
               <a:pPr/>
-              <a:t>2020/5/30</a:t>
+              <a:t>2020/5/31</a:t>
             </a:fld>
             <a:endParaRPr lang="zh-TW" altLang="en-US"/>
           </a:p>
@@ -14931,7 +14957,7 @@
             <a:fld id="{A4F910E6-8D00-4BAF-8C48-9688E0B449D3}" type="datetime1">
               <a:rPr lang="zh-TW" altLang="en-US" smtClean="0"/>
               <a:pPr/>
-              <a:t>2020/5/30</a:t>
+              <a:t>2020/5/31</a:t>
             </a:fld>
             <a:endParaRPr lang="zh-TW" altLang="en-US"/>
           </a:p>
@@ -15232,7 +15258,7 @@
             <a:fld id="{A4F910E6-8D00-4BAF-8C48-9688E0B449D3}" type="datetime1">
               <a:rPr lang="zh-TW" altLang="en-US" smtClean="0"/>
               <a:pPr/>
-              <a:t>2020/5/30</a:t>
+              <a:t>2020/5/31</a:t>
             </a:fld>
             <a:endParaRPr lang="zh-TW" altLang="en-US"/>
           </a:p>
@@ -17106,7 +17132,7 @@
             <a:fld id="{4E46BE27-E923-4EC2-B046-3272AE2A3E5C}" type="datetime1">
               <a:rPr lang="zh-TW" altLang="en-US" smtClean="0"/>
               <a:pPr/>
-              <a:t>2020/5/30</a:t>
+              <a:t>2020/5/31</a:t>
             </a:fld>
             <a:endParaRPr lang="zh-TW" altLang="en-US"/>
           </a:p>
@@ -17417,7 +17443,7 @@
             <a:fld id="{A4F910E6-8D00-4BAF-8C48-9688E0B449D3}" type="datetime1">
               <a:rPr lang="zh-TW" altLang="en-US" smtClean="0"/>
               <a:pPr/>
-              <a:t>2020/5/30</a:t>
+              <a:t>2020/5/31</a:t>
             </a:fld>
             <a:endParaRPr lang="zh-TW" altLang="en-US"/>
           </a:p>
@@ -17898,7 +17924,7 @@
             <a:fld id="{A4F910E6-8D00-4BAF-8C48-9688E0B449D3}" type="datetime1">
               <a:rPr lang="zh-TW" altLang="en-US" smtClean="0"/>
               <a:pPr/>
-              <a:t>2020/5/30</a:t>
+              <a:t>2020/5/31</a:t>
             </a:fld>
             <a:endParaRPr lang="zh-TW" altLang="en-US"/>
           </a:p>
@@ -18254,7 +18280,7 @@
             <a:fld id="{A4F910E6-8D00-4BAF-8C48-9688E0B449D3}" type="datetime1">
               <a:rPr lang="zh-TW" altLang="en-US" smtClean="0"/>
               <a:pPr/>
-              <a:t>2020/5/30</a:t>
+              <a:t>2020/5/31</a:t>
             </a:fld>
             <a:endParaRPr lang="zh-TW" altLang="en-US"/>
           </a:p>
@@ -18657,7 +18683,7 @@
             <a:fld id="{A4F910E6-8D00-4BAF-8C48-9688E0B449D3}" type="datetime1">
               <a:rPr lang="zh-TW" altLang="en-US" smtClean="0"/>
               <a:pPr/>
-              <a:t>2020/5/30</a:t>
+              <a:t>2020/5/31</a:t>
             </a:fld>
             <a:endParaRPr lang="zh-TW" altLang="en-US"/>
           </a:p>
@@ -19068,7 +19094,7 @@
             <a:fld id="{A4F910E6-8D00-4BAF-8C48-9688E0B449D3}" type="datetime1">
               <a:rPr lang="zh-TW" altLang="en-US" smtClean="0"/>
               <a:pPr/>
-              <a:t>2020/5/30</a:t>
+              <a:t>2020/5/31</a:t>
             </a:fld>
             <a:endParaRPr lang="zh-TW" altLang="en-US"/>
           </a:p>
@@ -19187,7 +19213,7 @@
             <a:fld id="{C389EDC9-19E3-47AC-9C57-C6A24DEA81AD}" type="datetime1">
               <a:rPr lang="zh-TW" altLang="en-US" smtClean="0"/>
               <a:pPr/>
-              <a:t>2020/5/30</a:t>
+              <a:t>2020/5/31</a:t>
             </a:fld>
             <a:endParaRPr lang="zh-TW" altLang="en-US"/>
           </a:p>
